--- a/Data Portfolio.pptx
+++ b/Data Portfolio.pptx
@@ -15,10 +15,10 @@
     <p:sldId id="260" r:id="rId8"/>
     <p:sldId id="268" r:id="rId9"/>
     <p:sldId id="264" r:id="rId10"/>
-    <p:sldId id="265" r:id="rId11"/>
-    <p:sldId id="267" r:id="rId12"/>
-    <p:sldId id="272" r:id="rId13"/>
-    <p:sldId id="273" r:id="rId14"/>
+    <p:sldId id="275" r:id="rId11"/>
+    <p:sldId id="265" r:id="rId12"/>
+    <p:sldId id="267" r:id="rId13"/>
+    <p:sldId id="272" r:id="rId14"/>
     <p:sldId id="269" r:id="rId15"/>
   </p:sldIdLst>
   <p:sldSz cx="9144000" cy="5143500"/>
@@ -1647,6 +1647,7 @@
               </a:spcAft>
               <a:buNone/>
             </a:pPr>
+            <a:endParaRPr lang="en-GB"/>
           </a:p>
         </p:txBody>
       </p:sp>
@@ -18260,6 +18261,30 @@
           </a:p>
         </p:txBody>
       </p:sp>
+      <p:pic>
+        <p:nvPicPr>
+          <p:cNvPr id="2" name="Picture 1"/>
+          <p:cNvPicPr>
+            <a:picLocks noChangeAspect="1"/>
+          </p:cNvPicPr>
+          <p:nvPr/>
+        </p:nvPicPr>
+        <p:blipFill>
+          <a:blip r:embed="rId1"/>
+          <a:stretch>
+            <a:fillRect/>
+          </a:stretch>
+        </p:blipFill>
+        <p:spPr>
+          <a:xfrm>
+            <a:off x="248920" y="989965"/>
+            <a:ext cx="5314950" cy="3715385"/>
+          </a:xfrm>
+          <a:prstGeom prst="rect">
+            <a:avLst/>
+          </a:prstGeom>
+        </p:spPr>
+      </p:pic>
     </p:spTree>
   </p:cSld>
   <p:clrMapOvr>
@@ -18620,6 +18645,60 @@
                 <a:sym typeface="Source Sans Pro" panose="020B0503030403020204"/>
               </a:rPr>
               <a:t>Males are more prone to diabetes than females</a:t>
+            </a:r>
+            <a:endParaRPr lang="en-GB" sz="1600">
+              <a:solidFill>
+                <a:srgbClr val="595959"/>
+              </a:solidFill>
+              <a:latin typeface="Source Sans Pro" panose="020B0503030403020204"/>
+              <a:ea typeface="Source Sans Pro" panose="020B0503030403020204"/>
+              <a:cs typeface="Source Sans Pro" panose="020B0503030403020204"/>
+              <a:sym typeface="Source Sans Pro" panose="020B0503030403020204"/>
+            </a:endParaRPr>
+          </a:p>
+          <a:p>
+            <a:pPr marL="285750" lvl="0" indent="-285750" algn="l" rtl="0">
+              <a:spcBef>
+                <a:spcPts val="0"/>
+              </a:spcBef>
+              <a:spcAft>
+                <a:spcPts val="0"/>
+              </a:spcAft>
+              <a:buFont typeface="Wingdings" panose="05000000000000000000" charset="0"/>
+              <a:buChar char="v"/>
+            </a:pPr>
+            <a:endParaRPr lang="en-GB" sz="1600">
+              <a:solidFill>
+                <a:srgbClr val="595959"/>
+              </a:solidFill>
+              <a:latin typeface="Source Sans Pro" panose="020B0503030403020204"/>
+              <a:ea typeface="Source Sans Pro" panose="020B0503030403020204"/>
+              <a:cs typeface="Source Sans Pro" panose="020B0503030403020204"/>
+              <a:sym typeface="Source Sans Pro" panose="020B0503030403020204"/>
+            </a:endParaRPr>
+          </a:p>
+          <a:p>
+            <a:pPr marL="285750" lvl="0" indent="-285750" algn="l" rtl="0">
+              <a:spcBef>
+                <a:spcPts val="0"/>
+              </a:spcBef>
+              <a:spcAft>
+                <a:spcPts val="0"/>
+              </a:spcAft>
+              <a:buFont typeface="Wingdings" panose="05000000000000000000" charset="0"/>
+              <a:buChar char="v"/>
+            </a:pPr>
+            <a:r>
+              <a:rPr lang="en-GB" sz="1600">
+                <a:solidFill>
+                  <a:srgbClr val="595959"/>
+                </a:solidFill>
+                <a:latin typeface="Source Sans Pro" panose="020B0503030403020204"/>
+                <a:ea typeface="Source Sans Pro" panose="020B0503030403020204"/>
+                <a:cs typeface="Source Sans Pro" panose="020B0503030403020204"/>
+                <a:sym typeface="Source Sans Pro" panose="020B0503030403020204"/>
+              </a:rPr>
+              <a:t>Females may be diagnosed with diabetes at a younger age than Males</a:t>
             </a:r>
             <a:endParaRPr lang="en-GB" sz="1600">
               <a:solidFill>
@@ -19446,26 +19525,6 @@
               </a:spcAft>
               <a:buNone/>
             </a:pPr>
-            <a:endParaRPr lang="en-GB" sz="1600">
-              <a:solidFill>
-                <a:srgbClr val="595959"/>
-              </a:solidFill>
-              <a:latin typeface="Source Sans Pro" panose="020B0503030403020204"/>
-              <a:ea typeface="Source Sans Pro" panose="020B0503030403020204"/>
-              <a:cs typeface="Source Sans Pro" panose="020B0503030403020204"/>
-              <a:sym typeface="Source Sans Pro" panose="020B0503030403020204"/>
-            </a:endParaRPr>
-          </a:p>
-          <a:p>
-            <a:pPr marL="0" lvl="0" indent="0" algn="l" rtl="0">
-              <a:spcBef>
-                <a:spcPts val="0"/>
-              </a:spcBef>
-              <a:spcAft>
-                <a:spcPts val="0"/>
-              </a:spcAft>
-              <a:buNone/>
-            </a:pPr>
             <a:r>
               <a:rPr lang="en-GB" sz="1600">
                 <a:solidFill>
@@ -19476,7 +19535,7 @@
                 <a:cs typeface="Source Sans Pro" panose="020B0503030403020204"/>
                 <a:sym typeface="Source Sans Pro" panose="020B0503030403020204"/>
               </a:rPr>
-              <a:t>One of the datasets I have decided to analyse for my portfolio has a theme of health, as this relates to my background in science. The dataset I have selected consists of data for the key signs and symptom of people who are either at risk of developing diabetes or are showing early signs/symptoms of the disease and have tested positive.</a:t>
+              <a:t>One of the datasets I have decided to analyse for my portfolio has a theme of health, as this relates to my background in science. The dataset I have selected consists of data for the key signs and symptom of people who are either at risk of developing diabetes and are showing early signs/symptoms of the disease or have tested positive.</a:t>
             </a:r>
             <a:endParaRPr lang="en-GB" sz="1600">
               <a:solidFill>
@@ -21248,6 +21307,465 @@
           </a:p>
         </p:txBody>
       </p:sp>
+      <p:sp>
+        <p:nvSpPr>
+          <p:cNvPr id="4" name="Text Box 3"/>
+          <p:cNvSpPr txBox="1"/>
+          <p:nvPr/>
+        </p:nvSpPr>
+        <p:spPr>
+          <a:xfrm>
+            <a:off x="5721350" y="1068705"/>
+            <a:ext cx="3307080" cy="4831080"/>
+          </a:xfrm>
+          <a:prstGeom prst="rect">
+            <a:avLst/>
+          </a:prstGeom>
+          <a:noFill/>
+        </p:spPr>
+        <p:txBody>
+          <a:bodyPr wrap="square" rtlCol="0">
+            <a:spAutoFit/>
+          </a:bodyPr>
+          <a:p>
+            <a:pPr marL="285750" indent="-285750">
+              <a:buFont typeface="Arial" panose="020B0604020202020204" pitchFamily="34" charset="0"/>
+              <a:buChar char="•"/>
+            </a:pPr>
+            <a:r>
+              <a:rPr lang="en-GB" altLang="en-US"/>
+              <a:t>The Box plot is showing the distribution of ages for each Gender in more detail</a:t>
+            </a:r>
+            <a:endParaRPr lang="en-GB" altLang="en-US"/>
+          </a:p>
+          <a:p>
+            <a:pPr marL="0" indent="0">
+              <a:buFont typeface="Arial" panose="020B0604020202020204" pitchFamily="34" charset="0"/>
+              <a:buNone/>
+            </a:pPr>
+            <a:endParaRPr lang="en-GB" altLang="en-US"/>
+          </a:p>
+          <a:p>
+            <a:pPr marL="285750" indent="-285750">
+              <a:buFont typeface="Arial" panose="020B0604020202020204" pitchFamily="34" charset="0"/>
+              <a:buChar char="•"/>
+            </a:pPr>
+            <a:r>
+              <a:rPr lang="en-GB" altLang="en-US"/>
+              <a:t>The visualisation shows that the age range for Male individuals is right skewed and for Female individuals is left skewed. </a:t>
+            </a:r>
+            <a:endParaRPr lang="en-GB" altLang="en-US"/>
+          </a:p>
+          <a:p>
+            <a:pPr marL="285750" indent="-285750">
+              <a:buFont typeface="Arial" panose="020B0604020202020204" pitchFamily="34" charset="0"/>
+              <a:buChar char="•"/>
+            </a:pPr>
+            <a:endParaRPr lang="en-GB" altLang="en-US"/>
+          </a:p>
+          <a:p>
+            <a:pPr marL="285750" indent="-285750">
+              <a:buFont typeface="Arial" panose="020B0604020202020204" pitchFamily="34" charset="0"/>
+              <a:buChar char="•"/>
+            </a:pPr>
+            <a:r>
+              <a:rPr lang="en-GB" altLang="en-US"/>
+              <a:t>The middle 50% of the data for Males lies between 40 - 57 and for Females lies between 37 - 55</a:t>
+            </a:r>
+            <a:endParaRPr lang="en-GB" altLang="en-US"/>
+          </a:p>
+          <a:p>
+            <a:pPr marL="285750" indent="-285750">
+              <a:buFont typeface="Arial" panose="020B0604020202020204" pitchFamily="34" charset="0"/>
+              <a:buChar char="•"/>
+            </a:pPr>
+            <a:endParaRPr lang="en-GB" altLang="en-US"/>
+          </a:p>
+          <a:p>
+            <a:pPr marL="285750" indent="-285750">
+              <a:buFont typeface="Arial" panose="020B0604020202020204" pitchFamily="34" charset="0"/>
+              <a:buChar char="•"/>
+            </a:pPr>
+            <a:r>
+              <a:rPr lang="en-GB" altLang="en-US"/>
+              <a:t>Are females more likely to be diagnosed with diabetes at a younger age than males?</a:t>
+            </a:r>
+            <a:endParaRPr lang="en-GB" altLang="en-US"/>
+          </a:p>
+          <a:p>
+            <a:pPr marL="285750" indent="-285750">
+              <a:buFont typeface="Arial" panose="020B0604020202020204" pitchFamily="34" charset="0"/>
+              <a:buChar char="•"/>
+            </a:pPr>
+            <a:endParaRPr lang="en-GB" altLang="en-US"/>
+          </a:p>
+          <a:p>
+            <a:pPr marL="285750" indent="-285750">
+              <a:buFont typeface="Arial" panose="020B0604020202020204" pitchFamily="34" charset="0"/>
+              <a:buChar char="•"/>
+            </a:pPr>
+            <a:endParaRPr lang="en-GB" altLang="en-US"/>
+          </a:p>
+          <a:p>
+            <a:pPr marL="0" indent="0">
+              <a:buFont typeface="Arial" panose="020B0604020202020204" pitchFamily="34" charset="0"/>
+              <a:buNone/>
+            </a:pPr>
+            <a:endParaRPr lang="en-GB" altLang="en-US"/>
+          </a:p>
+          <a:p>
+            <a:pPr marL="285750" indent="-285750">
+              <a:buFont typeface="Arial" panose="020B0604020202020204" pitchFamily="34" charset="0"/>
+              <a:buChar char="•"/>
+            </a:pPr>
+            <a:endParaRPr lang="en-GB" altLang="en-US"/>
+          </a:p>
+          <a:p>
+            <a:pPr marL="285750" indent="-285750">
+              <a:buFont typeface="Arial" panose="020B0604020202020204" pitchFamily="34" charset="0"/>
+              <a:buChar char="•"/>
+            </a:pPr>
+            <a:endParaRPr lang="en-GB" altLang="en-US"/>
+          </a:p>
+          <a:p>
+            <a:pPr marL="285750" indent="-285750">
+              <a:buFont typeface="Arial" panose="020B0604020202020204" pitchFamily="34" charset="0"/>
+              <a:buChar char="•"/>
+            </a:pPr>
+            <a:endParaRPr lang="en-GB" altLang="en-US"/>
+          </a:p>
+        </p:txBody>
+      </p:sp>
+      <p:pic>
+        <p:nvPicPr>
+          <p:cNvPr id="1" name="Picture 0"/>
+          <p:cNvPicPr>
+            <a:picLocks noChangeAspect="1"/>
+          </p:cNvPicPr>
+          <p:nvPr/>
+        </p:nvPicPr>
+        <p:blipFill>
+          <a:blip r:embed="rId1"/>
+          <a:stretch>
+            <a:fillRect/>
+          </a:stretch>
+        </p:blipFill>
+        <p:spPr>
+          <a:xfrm>
+            <a:off x="64135" y="1129665"/>
+            <a:ext cx="5521960" cy="3112770"/>
+          </a:xfrm>
+          <a:prstGeom prst="rect">
+            <a:avLst/>
+          </a:prstGeom>
+        </p:spPr>
+      </p:pic>
+    </p:spTree>
+  </p:cSld>
+  <p:clrMapOvr>
+    <a:masterClrMapping/>
+  </p:clrMapOvr>
+</p:sld>
+</file>
+
+<file path=ppt/slides/slide8.xml><?xml version="1.0" encoding="utf-8"?>
+<p:sld xmlns:a="http://schemas.openxmlformats.org/drawingml/2006/main" xmlns:r="http://schemas.openxmlformats.org/officeDocument/2006/relationships" xmlns:p="http://schemas.openxmlformats.org/presentationml/2006/main">
+  <p:cSld>
+    <p:spTree>
+      <p:nvGrpSpPr>
+        <p:cNvPr id="172" name="Shape 172"/>
+        <p:cNvGrpSpPr/>
+        <p:nvPr/>
+      </p:nvGrpSpPr>
+      <p:grpSpPr>
+        <a:xfrm>
+          <a:off x="0" y="0"/>
+          <a:ext cx="0" cy="0"/>
+          <a:chOff x="0" y="0"/>
+          <a:chExt cx="0" cy="0"/>
+        </a:xfrm>
+      </p:grpSpPr>
+      <p:sp>
+        <p:nvSpPr>
+          <p:cNvPr id="173" name="Google Shape;173;p28"/>
+          <p:cNvSpPr/>
+          <p:nvPr>
+            <p:ph type="body" idx="1"/>
+          </p:nvPr>
+        </p:nvSpPr>
+        <p:spPr>
+          <a:xfrm>
+            <a:off x="-332295" y="305760"/>
+            <a:ext cx="7317900" cy="494400"/>
+          </a:xfrm>
+          <a:prstGeom prst="parallelogram">
+            <a:avLst>
+              <a:gd name="adj" fmla="val 37388"/>
+            </a:avLst>
+          </a:prstGeom>
+          <a:solidFill>
+            <a:schemeClr val="dk2"/>
+          </a:solidFill>
+          <a:ln>
+            <a:noFill/>
+          </a:ln>
+        </p:spPr>
+        <p:txBody>
+          <a:bodyPr spcFirstLastPara="1" wrap="square" lIns="91425" tIns="45700" rIns="91425" bIns="45700" anchor="t" anchorCtr="0">
+            <a:noAutofit/>
+          </a:bodyPr>
+          <a:lstStyle/>
+          <a:p>
+            <a:pPr marL="0" lvl="0" indent="0" algn="l" rtl="0">
+              <a:lnSpc>
+                <a:spcPct val="90000"/>
+              </a:lnSpc>
+              <a:spcBef>
+                <a:spcPts val="0"/>
+              </a:spcBef>
+              <a:spcAft>
+                <a:spcPts val="0"/>
+              </a:spcAft>
+              <a:buClr>
+                <a:srgbClr val="3F3F3F"/>
+              </a:buClr>
+              <a:buSzPts val="100"/>
+              <a:buNone/>
+            </a:pPr>
+            <a:r>
+              <a:rPr lang="en-GB"/>
+              <a:t> </a:t>
+            </a:r>
+            <a:endParaRPr lang="en-GB"/>
+          </a:p>
+        </p:txBody>
+      </p:sp>
+      <p:sp>
+        <p:nvSpPr>
+          <p:cNvPr id="174" name="Google Shape;174;p28"/>
+          <p:cNvSpPr/>
+          <p:nvPr>
+            <p:ph type="body" idx="2"/>
+          </p:nvPr>
+        </p:nvSpPr>
+        <p:spPr>
+          <a:xfrm>
+            <a:off x="-141903" y="-8070"/>
+            <a:ext cx="2098200" cy="317700"/>
+          </a:xfrm>
+          <a:prstGeom prst="parallelogram">
+            <a:avLst>
+              <a:gd name="adj" fmla="val 37388"/>
+            </a:avLst>
+          </a:prstGeom>
+          <a:solidFill>
+            <a:srgbClr val="F2F2F2"/>
+          </a:solidFill>
+          <a:ln>
+            <a:noFill/>
+          </a:ln>
+        </p:spPr>
+        <p:txBody>
+          <a:bodyPr spcFirstLastPara="1" wrap="square" lIns="91425" tIns="45700" rIns="91425" bIns="45700" anchor="t" anchorCtr="0">
+            <a:noAutofit/>
+          </a:bodyPr>
+          <a:lstStyle/>
+          <a:p>
+            <a:pPr marL="0" lvl="0" indent="0" algn="l" rtl="0">
+              <a:lnSpc>
+                <a:spcPct val="90000"/>
+              </a:lnSpc>
+              <a:spcBef>
+                <a:spcPts val="0"/>
+              </a:spcBef>
+              <a:spcAft>
+                <a:spcPts val="0"/>
+              </a:spcAft>
+              <a:buClr>
+                <a:srgbClr val="3F3F3F"/>
+              </a:buClr>
+              <a:buSzPts val="100"/>
+              <a:buNone/>
+            </a:pPr>
+            <a:r>
+              <a:rPr lang="en-GB"/>
+              <a:t> </a:t>
+            </a:r>
+            <a:endParaRPr lang="en-GB"/>
+          </a:p>
+        </p:txBody>
+      </p:sp>
+      <p:sp>
+        <p:nvSpPr>
+          <p:cNvPr id="175" name="Google Shape;175;p28"/>
+          <p:cNvSpPr txBox="1"/>
+          <p:nvPr>
+            <p:ph type="body" idx="3"/>
+          </p:nvPr>
+        </p:nvSpPr>
+        <p:spPr>
+          <a:xfrm>
+            <a:off x="306807" y="60518"/>
+            <a:ext cx="1520100" cy="217800"/>
+          </a:xfrm>
+          <a:prstGeom prst="rect">
+            <a:avLst/>
+          </a:prstGeom>
+          <a:noFill/>
+          <a:ln>
+            <a:noFill/>
+          </a:ln>
+        </p:spPr>
+        <p:txBody>
+          <a:bodyPr spcFirstLastPara="1" wrap="square" lIns="91425" tIns="45700" rIns="91425" bIns="45700" anchor="t" anchorCtr="0">
+            <a:noAutofit/>
+          </a:bodyPr>
+          <a:lstStyle/>
+          <a:p>
+            <a:pPr marL="0" lvl="0" indent="0" algn="l" rtl="0">
+              <a:lnSpc>
+                <a:spcPct val="90000"/>
+              </a:lnSpc>
+              <a:spcBef>
+                <a:spcPts val="0"/>
+              </a:spcBef>
+              <a:spcAft>
+                <a:spcPts val="0"/>
+              </a:spcAft>
+              <a:buClr>
+                <a:schemeClr val="dk1"/>
+              </a:buClr>
+              <a:buSzPts val="900"/>
+              <a:buNone/>
+            </a:pPr>
+            <a:r>
+              <a:rPr lang="en-GB">
+                <a:latin typeface="Source Sans Pro" panose="020B0503030403020204"/>
+                <a:ea typeface="Source Sans Pro" panose="020B0503030403020204"/>
+                <a:cs typeface="Source Sans Pro" panose="020B0503030403020204"/>
+                <a:sym typeface="Source Sans Pro" panose="020B0503030403020204"/>
+              </a:rPr>
+              <a:t>Ameena Hamid </a:t>
+            </a:r>
+            <a:endParaRPr lang="en-GB">
+              <a:latin typeface="Source Sans Pro" panose="020B0503030403020204"/>
+              <a:ea typeface="Source Sans Pro" panose="020B0503030403020204"/>
+              <a:cs typeface="Source Sans Pro" panose="020B0503030403020204"/>
+              <a:sym typeface="Source Sans Pro" panose="020B0503030403020204"/>
+            </a:endParaRPr>
+          </a:p>
+        </p:txBody>
+      </p:sp>
+      <p:sp>
+        <p:nvSpPr>
+          <p:cNvPr id="176" name="Google Shape;176;p28"/>
+          <p:cNvSpPr txBox="1"/>
+          <p:nvPr>
+            <p:ph type="title"/>
+          </p:nvPr>
+        </p:nvSpPr>
+        <p:spPr>
+          <a:xfrm>
+            <a:off x="306807" y="400510"/>
+            <a:ext cx="6348900" cy="304800"/>
+          </a:xfrm>
+          <a:prstGeom prst="rect">
+            <a:avLst/>
+          </a:prstGeom>
+          <a:noFill/>
+          <a:ln>
+            <a:noFill/>
+          </a:ln>
+        </p:spPr>
+        <p:txBody>
+          <a:bodyPr spcFirstLastPara="1" wrap="square" lIns="91425" tIns="45700" rIns="91425" bIns="45700" anchor="ctr" anchorCtr="0">
+            <a:noAutofit/>
+          </a:bodyPr>
+          <a:lstStyle/>
+          <a:p>
+            <a:pPr marL="0" lvl="0" indent="0" algn="l" rtl="0">
+              <a:lnSpc>
+                <a:spcPct val="90000"/>
+              </a:lnSpc>
+              <a:spcBef>
+                <a:spcPts val="0"/>
+              </a:spcBef>
+              <a:spcAft>
+                <a:spcPts val="0"/>
+              </a:spcAft>
+              <a:buClr>
+                <a:schemeClr val="dk1"/>
+              </a:buClr>
+              <a:buSzPts val="1100"/>
+              <a:buFont typeface="Arial" panose="020B0604020202020204"/>
+              <a:buNone/>
+            </a:pPr>
+            <a:br>
+              <a:rPr lang="en-GB">
+                <a:sym typeface="+mn-ea"/>
+              </a:rPr>
+            </a:br>
+            <a:r>
+              <a:rPr lang="en-GB">
+                <a:sym typeface="+mn-ea"/>
+              </a:rPr>
+              <a:t>Early Stage Diabetes Risk Prediction Dataset  - Data Visualization</a:t>
+            </a:r>
+            <a:br>
+              <a:rPr lang="en-GB">
+                <a:sym typeface="+mn-ea"/>
+              </a:rPr>
+            </a:br>
+            <a:endParaRPr lang="en-GB"/>
+          </a:p>
+        </p:txBody>
+      </p:sp>
+      <p:sp>
+        <p:nvSpPr>
+          <p:cNvPr id="177" name="Google Shape;177;p28"/>
+          <p:cNvSpPr txBox="1"/>
+          <p:nvPr/>
+        </p:nvSpPr>
+        <p:spPr>
+          <a:xfrm>
+            <a:off x="249125" y="989850"/>
+            <a:ext cx="6678900" cy="3163800"/>
+          </a:xfrm>
+          <a:prstGeom prst="rect">
+            <a:avLst/>
+          </a:prstGeom>
+          <a:noFill/>
+          <a:ln>
+            <a:noFill/>
+          </a:ln>
+        </p:spPr>
+        <p:txBody>
+          <a:bodyPr spcFirstLastPara="1" wrap="square" lIns="91425" tIns="91425" rIns="91425" bIns="91425" anchor="t" anchorCtr="0">
+            <a:noAutofit/>
+          </a:bodyPr>
+          <a:lstStyle/>
+          <a:p>
+            <a:pPr marL="0" lvl="0" indent="0" algn="l" rtl="0">
+              <a:spcBef>
+                <a:spcPts val="0"/>
+              </a:spcBef>
+              <a:spcAft>
+                <a:spcPts val="0"/>
+              </a:spcAft>
+              <a:buNone/>
+            </a:pPr>
+            <a:endParaRPr sz="1500">
+              <a:solidFill>
+                <a:srgbClr val="595959"/>
+              </a:solidFill>
+              <a:latin typeface="Source Sans Pro" panose="020B0503030403020204"/>
+              <a:ea typeface="Source Sans Pro" panose="020B0503030403020204"/>
+              <a:cs typeface="Source Sans Pro" panose="020B0503030403020204"/>
+              <a:sym typeface="Source Sans Pro" panose="020B0503030403020204"/>
+            </a:endParaRPr>
+          </a:p>
+        </p:txBody>
+      </p:sp>
       <p:pic>
         <p:nvPicPr>
           <p:cNvPr id="5" name="Picture 4"/>
@@ -21313,7 +21831,7 @@
 </p:sld>
 </file>
 
-<file path=ppt/slides/slide8.xml><?xml version="1.0" encoding="utf-8"?>
+<file path=ppt/slides/slide9.xml><?xml version="1.0" encoding="utf-8"?>
 <p:sld xmlns:a="http://schemas.openxmlformats.org/drawingml/2006/main" xmlns:r="http://schemas.openxmlformats.org/officeDocument/2006/relationships" xmlns:p="http://schemas.openxmlformats.org/presentationml/2006/main">
   <p:cSld>
     <p:spTree>
@@ -21686,412 +22204,6 @@
           </a:p>
         </p:txBody>
       </p:sp>
-    </p:spTree>
-  </p:cSld>
-  <p:clrMapOvr>
-    <a:masterClrMapping/>
-  </p:clrMapOvr>
-</p:sld>
-</file>
-
-<file path=ppt/slides/slide9.xml><?xml version="1.0" encoding="utf-8"?>
-<p:sld xmlns:a="http://schemas.openxmlformats.org/drawingml/2006/main" xmlns:r="http://schemas.openxmlformats.org/officeDocument/2006/relationships" xmlns:p="http://schemas.openxmlformats.org/presentationml/2006/main">
-  <p:cSld>
-    <p:spTree>
-      <p:nvGrpSpPr>
-        <p:cNvPr id="172" name="Shape 172"/>
-        <p:cNvGrpSpPr/>
-        <p:nvPr/>
-      </p:nvGrpSpPr>
-      <p:grpSpPr>
-        <a:xfrm>
-          <a:off x="0" y="0"/>
-          <a:ext cx="0" cy="0"/>
-          <a:chOff x="0" y="0"/>
-          <a:chExt cx="0" cy="0"/>
-        </a:xfrm>
-      </p:grpSpPr>
-      <p:sp>
-        <p:nvSpPr>
-          <p:cNvPr id="173" name="Google Shape;173;p28"/>
-          <p:cNvSpPr/>
-          <p:nvPr>
-            <p:ph type="body" idx="1"/>
-          </p:nvPr>
-        </p:nvSpPr>
-        <p:spPr>
-          <a:xfrm>
-            <a:off x="-332295" y="305760"/>
-            <a:ext cx="7317900" cy="494400"/>
-          </a:xfrm>
-          <a:prstGeom prst="parallelogram">
-            <a:avLst>
-              <a:gd name="adj" fmla="val 37388"/>
-            </a:avLst>
-          </a:prstGeom>
-          <a:solidFill>
-            <a:schemeClr val="dk2"/>
-          </a:solidFill>
-          <a:ln>
-            <a:noFill/>
-          </a:ln>
-        </p:spPr>
-        <p:txBody>
-          <a:bodyPr spcFirstLastPara="1" wrap="square" lIns="91425" tIns="45700" rIns="91425" bIns="45700" anchor="t" anchorCtr="0">
-            <a:noAutofit/>
-          </a:bodyPr>
-          <a:lstStyle/>
-          <a:p>
-            <a:pPr marL="0" lvl="0" indent="0" algn="l" rtl="0">
-              <a:lnSpc>
-                <a:spcPct val="90000"/>
-              </a:lnSpc>
-              <a:spcBef>
-                <a:spcPts val="0"/>
-              </a:spcBef>
-              <a:spcAft>
-                <a:spcPts val="0"/>
-              </a:spcAft>
-              <a:buClr>
-                <a:srgbClr val="3F3F3F"/>
-              </a:buClr>
-              <a:buSzPts val="100"/>
-              <a:buNone/>
-            </a:pPr>
-            <a:r>
-              <a:rPr lang="en-GB"/>
-              <a:t> </a:t>
-            </a:r>
-            <a:endParaRPr lang="en-GB"/>
-          </a:p>
-        </p:txBody>
-      </p:sp>
-      <p:sp>
-        <p:nvSpPr>
-          <p:cNvPr id="174" name="Google Shape;174;p28"/>
-          <p:cNvSpPr/>
-          <p:nvPr>
-            <p:ph type="body" idx="2"/>
-          </p:nvPr>
-        </p:nvSpPr>
-        <p:spPr>
-          <a:xfrm>
-            <a:off x="-141903" y="-8070"/>
-            <a:ext cx="2098200" cy="317700"/>
-          </a:xfrm>
-          <a:prstGeom prst="parallelogram">
-            <a:avLst>
-              <a:gd name="adj" fmla="val 37388"/>
-            </a:avLst>
-          </a:prstGeom>
-          <a:solidFill>
-            <a:srgbClr val="F2F2F2"/>
-          </a:solidFill>
-          <a:ln>
-            <a:noFill/>
-          </a:ln>
-        </p:spPr>
-        <p:txBody>
-          <a:bodyPr spcFirstLastPara="1" wrap="square" lIns="91425" tIns="45700" rIns="91425" bIns="45700" anchor="t" anchorCtr="0">
-            <a:noAutofit/>
-          </a:bodyPr>
-          <a:lstStyle/>
-          <a:p>
-            <a:pPr marL="0" lvl="0" indent="0" algn="l" rtl="0">
-              <a:lnSpc>
-                <a:spcPct val="90000"/>
-              </a:lnSpc>
-              <a:spcBef>
-                <a:spcPts val="0"/>
-              </a:spcBef>
-              <a:spcAft>
-                <a:spcPts val="0"/>
-              </a:spcAft>
-              <a:buClr>
-                <a:srgbClr val="3F3F3F"/>
-              </a:buClr>
-              <a:buSzPts val="100"/>
-              <a:buNone/>
-            </a:pPr>
-            <a:r>
-              <a:rPr lang="en-GB"/>
-              <a:t> </a:t>
-            </a:r>
-            <a:endParaRPr lang="en-GB"/>
-          </a:p>
-        </p:txBody>
-      </p:sp>
-      <p:sp>
-        <p:nvSpPr>
-          <p:cNvPr id="175" name="Google Shape;175;p28"/>
-          <p:cNvSpPr txBox="1"/>
-          <p:nvPr>
-            <p:ph type="body" idx="3"/>
-          </p:nvPr>
-        </p:nvSpPr>
-        <p:spPr>
-          <a:xfrm>
-            <a:off x="306807" y="60518"/>
-            <a:ext cx="1520100" cy="217800"/>
-          </a:xfrm>
-          <a:prstGeom prst="rect">
-            <a:avLst/>
-          </a:prstGeom>
-          <a:noFill/>
-          <a:ln>
-            <a:noFill/>
-          </a:ln>
-        </p:spPr>
-        <p:txBody>
-          <a:bodyPr spcFirstLastPara="1" wrap="square" lIns="91425" tIns="45700" rIns="91425" bIns="45700" anchor="t" anchorCtr="0">
-            <a:noAutofit/>
-          </a:bodyPr>
-          <a:lstStyle/>
-          <a:p>
-            <a:pPr marL="0" lvl="0" indent="0" algn="l" rtl="0">
-              <a:lnSpc>
-                <a:spcPct val="90000"/>
-              </a:lnSpc>
-              <a:spcBef>
-                <a:spcPts val="0"/>
-              </a:spcBef>
-              <a:spcAft>
-                <a:spcPts val="0"/>
-              </a:spcAft>
-              <a:buClr>
-                <a:schemeClr val="dk1"/>
-              </a:buClr>
-              <a:buSzPts val="900"/>
-              <a:buNone/>
-            </a:pPr>
-            <a:r>
-              <a:rPr lang="en-GB">
-                <a:latin typeface="Source Sans Pro" panose="020B0503030403020204"/>
-                <a:ea typeface="Source Sans Pro" panose="020B0503030403020204"/>
-                <a:cs typeface="Source Sans Pro" panose="020B0503030403020204"/>
-                <a:sym typeface="Source Sans Pro" panose="020B0503030403020204"/>
-              </a:rPr>
-              <a:t>Ameena Hamid </a:t>
-            </a:r>
-            <a:endParaRPr lang="en-GB">
-              <a:latin typeface="Source Sans Pro" panose="020B0503030403020204"/>
-              <a:ea typeface="Source Sans Pro" panose="020B0503030403020204"/>
-              <a:cs typeface="Source Sans Pro" panose="020B0503030403020204"/>
-              <a:sym typeface="Source Sans Pro" panose="020B0503030403020204"/>
-            </a:endParaRPr>
-          </a:p>
-        </p:txBody>
-      </p:sp>
-      <p:sp>
-        <p:nvSpPr>
-          <p:cNvPr id="176" name="Google Shape;176;p28"/>
-          <p:cNvSpPr txBox="1"/>
-          <p:nvPr>
-            <p:ph type="title"/>
-          </p:nvPr>
-        </p:nvSpPr>
-        <p:spPr>
-          <a:xfrm>
-            <a:off x="306807" y="400510"/>
-            <a:ext cx="6348900" cy="304800"/>
-          </a:xfrm>
-          <a:prstGeom prst="rect">
-            <a:avLst/>
-          </a:prstGeom>
-          <a:noFill/>
-          <a:ln>
-            <a:noFill/>
-          </a:ln>
-        </p:spPr>
-        <p:txBody>
-          <a:bodyPr spcFirstLastPara="1" wrap="square" lIns="91425" tIns="45700" rIns="91425" bIns="45700" anchor="ctr" anchorCtr="0">
-            <a:noAutofit/>
-          </a:bodyPr>
-          <a:lstStyle/>
-          <a:p>
-            <a:pPr marL="0" lvl="0" indent="0" algn="l" rtl="0">
-              <a:lnSpc>
-                <a:spcPct val="90000"/>
-              </a:lnSpc>
-              <a:spcBef>
-                <a:spcPts val="0"/>
-              </a:spcBef>
-              <a:spcAft>
-                <a:spcPts val="0"/>
-              </a:spcAft>
-              <a:buClr>
-                <a:schemeClr val="dk1"/>
-              </a:buClr>
-              <a:buSzPts val="1100"/>
-              <a:buFont typeface="Arial" panose="020B0604020202020204"/>
-              <a:buNone/>
-            </a:pPr>
-            <a:br>
-              <a:rPr lang="en-GB">
-                <a:sym typeface="+mn-ea"/>
-              </a:rPr>
-            </a:br>
-            <a:r>
-              <a:rPr lang="en-GB">
-                <a:sym typeface="+mn-ea"/>
-              </a:rPr>
-              <a:t>Early Stage Diabetes Risk Prediction Dataset  - Data Visualization</a:t>
-            </a:r>
-            <a:br>
-              <a:rPr lang="en-GB">
-                <a:sym typeface="+mn-ea"/>
-              </a:rPr>
-            </a:br>
-            <a:endParaRPr lang="en-GB"/>
-          </a:p>
-        </p:txBody>
-      </p:sp>
-      <p:sp>
-        <p:nvSpPr>
-          <p:cNvPr id="177" name="Google Shape;177;p28"/>
-          <p:cNvSpPr txBox="1"/>
-          <p:nvPr/>
-        </p:nvSpPr>
-        <p:spPr>
-          <a:xfrm>
-            <a:off x="249125" y="989850"/>
-            <a:ext cx="6678900" cy="3163800"/>
-          </a:xfrm>
-          <a:prstGeom prst="rect">
-            <a:avLst/>
-          </a:prstGeom>
-          <a:noFill/>
-          <a:ln>
-            <a:noFill/>
-          </a:ln>
-        </p:spPr>
-        <p:txBody>
-          <a:bodyPr spcFirstLastPara="1" wrap="square" lIns="91425" tIns="91425" rIns="91425" bIns="91425" anchor="t" anchorCtr="0">
-            <a:noAutofit/>
-          </a:bodyPr>
-          <a:lstStyle/>
-          <a:p>
-            <a:pPr marL="0" lvl="0" indent="0" algn="l" rtl="0">
-              <a:spcBef>
-                <a:spcPts val="0"/>
-              </a:spcBef>
-              <a:spcAft>
-                <a:spcPts val="0"/>
-              </a:spcAft>
-              <a:buNone/>
-            </a:pPr>
-            <a:endParaRPr sz="1500">
-              <a:solidFill>
-                <a:srgbClr val="595959"/>
-              </a:solidFill>
-              <a:latin typeface="Source Sans Pro" panose="020B0503030403020204"/>
-              <a:ea typeface="Source Sans Pro" panose="020B0503030403020204"/>
-              <a:cs typeface="Source Sans Pro" panose="020B0503030403020204"/>
-              <a:sym typeface="Source Sans Pro" panose="020B0503030403020204"/>
-            </a:endParaRPr>
-          </a:p>
-        </p:txBody>
-      </p:sp>
-      <p:sp>
-        <p:nvSpPr>
-          <p:cNvPr id="6" name="Text Box 5"/>
-          <p:cNvSpPr txBox="1"/>
-          <p:nvPr/>
-        </p:nvSpPr>
-        <p:spPr>
-          <a:xfrm>
-            <a:off x="5664835" y="1315085"/>
-            <a:ext cx="3214370" cy="3322955"/>
-          </a:xfrm>
-          <a:prstGeom prst="rect">
-            <a:avLst/>
-          </a:prstGeom>
-          <a:noFill/>
-        </p:spPr>
-        <p:txBody>
-          <a:bodyPr wrap="square" rtlCol="0">
-            <a:spAutoFit/>
-          </a:bodyPr>
-          <a:p>
-            <a:pPr marL="285750" indent="-285750">
-              <a:buFont typeface="Arial" panose="020B0604020202020204" pitchFamily="34" charset="0"/>
-              <a:buChar char="•"/>
-            </a:pPr>
-            <a:r>
-              <a:rPr lang="en-GB" altLang="en-US"/>
-              <a:t>Further analysis shows that the number of Females positive for Diabetes is slightly higher than the number of Males that are positive. </a:t>
-            </a:r>
-            <a:endParaRPr lang="en-GB" altLang="en-US"/>
-          </a:p>
-          <a:p>
-            <a:pPr marL="285750" indent="-285750">
-              <a:buFont typeface="Arial" panose="020B0604020202020204" pitchFamily="34" charset="0"/>
-              <a:buChar char="•"/>
-            </a:pPr>
-            <a:endParaRPr lang="en-GB" altLang="en-US"/>
-          </a:p>
-          <a:p>
-            <a:pPr marL="285750" indent="-285750">
-              <a:buFont typeface="Arial" panose="020B0604020202020204" pitchFamily="34" charset="0"/>
-              <a:buChar char="•"/>
-            </a:pPr>
-            <a:r>
-              <a:rPr lang="en-GB" altLang="en-US"/>
-              <a:t>The number of females that are negative for Diabetes but may be displaying symptoms are significantly lower than the number of males that are positive</a:t>
-            </a:r>
-            <a:endParaRPr lang="en-GB" altLang="en-US"/>
-          </a:p>
-          <a:p>
-            <a:pPr marL="285750" indent="-285750">
-              <a:buFont typeface="Arial" panose="020B0604020202020204" pitchFamily="34" charset="0"/>
-              <a:buChar char="•"/>
-            </a:pPr>
-            <a:endParaRPr lang="en-GB" altLang="en-US"/>
-          </a:p>
-          <a:p>
-            <a:pPr marL="285750" indent="-285750">
-              <a:buFont typeface="Arial" panose="020B0604020202020204" pitchFamily="34" charset="0"/>
-              <a:buChar char="•"/>
-            </a:pPr>
-            <a:r>
-              <a:rPr lang="en-GB" altLang="en-US"/>
-              <a:t>However, the number of females overall with symptoms are also considerably lower than males</a:t>
-            </a:r>
-            <a:endParaRPr lang="en-GB" altLang="en-US"/>
-          </a:p>
-          <a:p>
-            <a:pPr marL="285750" indent="-285750">
-              <a:buFont typeface="Arial" panose="020B0604020202020204" pitchFamily="34" charset="0"/>
-              <a:buChar char="•"/>
-            </a:pPr>
-            <a:endParaRPr lang="en-GB" altLang="en-US"/>
-          </a:p>
-        </p:txBody>
-      </p:sp>
-      <p:pic>
-        <p:nvPicPr>
-          <p:cNvPr id="2" name="Picture 1"/>
-          <p:cNvPicPr>
-            <a:picLocks noChangeAspect="1"/>
-          </p:cNvPicPr>
-          <p:nvPr/>
-        </p:nvPicPr>
-        <p:blipFill>
-          <a:blip r:embed="rId1"/>
-          <a:stretch>
-            <a:fillRect/>
-          </a:stretch>
-        </p:blipFill>
-        <p:spPr>
-          <a:xfrm>
-            <a:off x="248920" y="989965"/>
-            <a:ext cx="5314950" cy="3715385"/>
-          </a:xfrm>
-          <a:prstGeom prst="rect">
-            <a:avLst/>
-          </a:prstGeom>
-        </p:spPr>
-      </p:pic>
     </p:spTree>
   </p:cSld>
   <p:clrMapOvr>

--- a/Data Portfolio.pptx
+++ b/Data Portfolio.pptx
@@ -19,19 +19,20 @@
     <p:sldId id="265" r:id="rId12"/>
     <p:sldId id="267" r:id="rId13"/>
     <p:sldId id="272" r:id="rId14"/>
-    <p:sldId id="269" r:id="rId15"/>
+    <p:sldId id="273" r:id="rId15"/>
+    <p:sldId id="269" r:id="rId16"/>
   </p:sldIdLst>
   <p:sldSz cx="9144000" cy="5143500"/>
   <p:notesSz cx="6858000" cy="9144000"/>
   <p:embeddedFontLst>
     <p:embeddedFont>
       <p:font typeface="Source Sans Pro SemiBold" panose="020B0703030403020204"/>
-      <p:bold r:id="rId19"/>
-      <p:boldItalic r:id="rId20"/>
+      <p:bold r:id="rId20"/>
+      <p:boldItalic r:id="rId21"/>
     </p:embeddedFont>
     <p:embeddedFont>
       <p:font typeface="Source Sans Pro" panose="020B0503030403020204"/>
-      <p:regular r:id="rId21"/>
+      <p:regular r:id="rId22"/>
     </p:embeddedFont>
   </p:embeddedFontLst>
   <p:defaultTextStyle>
@@ -900,6 +901,105 @@
 </file>
 
 <file path=ppt/notesSlides/notesSlide11.xml><?xml version="1.0" encoding="utf-8"?>
+<p:notes xmlns:a="http://schemas.openxmlformats.org/drawingml/2006/main" xmlns:r="http://schemas.openxmlformats.org/officeDocument/2006/relationships" xmlns:p="http://schemas.openxmlformats.org/presentationml/2006/main" showMasterPhAnim="0" showMasterSp="0">
+  <p:cSld>
+    <p:spTree>
+      <p:nvGrpSpPr>
+        <p:cNvPr id="169" name="Shape 169"/>
+        <p:cNvGrpSpPr/>
+        <p:nvPr/>
+      </p:nvGrpSpPr>
+      <p:grpSpPr>
+        <a:xfrm>
+          <a:off x="0" y="0"/>
+          <a:ext cx="0" cy="0"/>
+          <a:chOff x="0" y="0"/>
+          <a:chExt cx="0" cy="0"/>
+        </a:xfrm>
+      </p:grpSpPr>
+      <p:sp>
+        <p:nvSpPr>
+          <p:cNvPr id="170" name="Google Shape;170;g1644ef15d69_0_32:notes"/>
+          <p:cNvSpPr txBox="1"/>
+          <p:nvPr>
+            <p:ph type="body" idx="1"/>
+          </p:nvPr>
+        </p:nvSpPr>
+        <p:spPr>
+          <a:xfrm>
+            <a:off x="685800" y="4400550"/>
+            <a:ext cx="5486400" cy="3600600"/>
+          </a:xfrm>
+          <a:prstGeom prst="rect">
+            <a:avLst/>
+          </a:prstGeom>
+        </p:spPr>
+        <p:txBody>
+          <a:bodyPr spcFirstLastPara="1" wrap="square" lIns="91425" tIns="91425" rIns="91425" bIns="91425" anchor="t" anchorCtr="0">
+            <a:noAutofit/>
+          </a:bodyPr>
+          <a:lstStyle/>
+          <a:p>
+            <a:pPr marL="0" lvl="0" indent="0" algn="l" rtl="0">
+              <a:spcBef>
+                <a:spcPts val="0"/>
+              </a:spcBef>
+              <a:spcAft>
+                <a:spcPts val="0"/>
+              </a:spcAft>
+              <a:buNone/>
+            </a:pPr>
+          </a:p>
+        </p:txBody>
+      </p:sp>
+      <p:sp>
+        <p:nvSpPr>
+          <p:cNvPr id="171" name="Google Shape;171;g1644ef15d69_0_32:notes"/>
+          <p:cNvSpPr/>
+          <p:nvPr>
+            <p:ph type="sldImg" idx="2"/>
+          </p:nvPr>
+        </p:nvSpPr>
+        <p:spPr>
+          <a:xfrm>
+            <a:off x="685800" y="1143000"/>
+            <a:ext cx="5486400" cy="3086100"/>
+          </a:xfrm>
+          <a:custGeom>
+            <a:avLst/>
+            <a:gdLst/>
+            <a:ahLst/>
+            <a:cxnLst/>
+            <a:rect l="l" t="t" r="r" b="b"/>
+            <a:pathLst>
+              <a:path w="120000" h="120000" extrusionOk="0">
+                <a:moveTo>
+                  <a:pt x="0" y="0"/>
+                </a:moveTo>
+                <a:lnTo>
+                  <a:pt x="120000" y="0"/>
+                </a:lnTo>
+                <a:lnTo>
+                  <a:pt x="120000" y="120000"/>
+                </a:lnTo>
+                <a:lnTo>
+                  <a:pt x="0" y="120000"/>
+                </a:lnTo>
+                <a:close/>
+              </a:path>
+            </a:pathLst>
+          </a:custGeom>
+        </p:spPr>
+      </p:sp>
+    </p:spTree>
+  </p:cSld>
+  <p:clrMapOvr>
+    <a:masterClrMapping/>
+  </p:clrMapOvr>
+</p:notes>
+</file>
+
+<file path=ppt/notesSlides/notesSlide12.xml><?xml version="1.0" encoding="utf-8"?>
 <p:notes xmlns:a="http://schemas.openxmlformats.org/drawingml/2006/main" xmlns:r="http://schemas.openxmlformats.org/officeDocument/2006/relationships" xmlns:p="http://schemas.openxmlformats.org/presentationml/2006/main" showMasterPhAnim="0" showMasterSp="0">
   <p:cSld>
     <p:spTree>
@@ -18534,6 +18634,388 @@
               <a:rPr lang="en-GB">
                 <a:sym typeface="+mn-ea"/>
               </a:rPr>
+              <a:t>Early Stage Diabetes Risk Prediction Dataset  - Data Visualization</a:t>
+            </a:r>
+            <a:br>
+              <a:rPr lang="en-GB">
+                <a:sym typeface="+mn-ea"/>
+              </a:rPr>
+            </a:br>
+            <a:endParaRPr lang="en-GB"/>
+          </a:p>
+        </p:txBody>
+      </p:sp>
+      <p:sp>
+        <p:nvSpPr>
+          <p:cNvPr id="177" name="Google Shape;177;p28"/>
+          <p:cNvSpPr txBox="1"/>
+          <p:nvPr/>
+        </p:nvSpPr>
+        <p:spPr>
+          <a:xfrm>
+            <a:off x="249125" y="989850"/>
+            <a:ext cx="6678900" cy="3163800"/>
+          </a:xfrm>
+          <a:prstGeom prst="rect">
+            <a:avLst/>
+          </a:prstGeom>
+          <a:noFill/>
+          <a:ln>
+            <a:noFill/>
+          </a:ln>
+        </p:spPr>
+        <p:txBody>
+          <a:bodyPr spcFirstLastPara="1" wrap="square" lIns="91425" tIns="91425" rIns="91425" bIns="91425" anchor="t" anchorCtr="0">
+            <a:noAutofit/>
+          </a:bodyPr>
+          <a:lstStyle/>
+          <a:p>
+            <a:pPr marL="0" lvl="0" indent="0" algn="l" rtl="0">
+              <a:spcBef>
+                <a:spcPts val="0"/>
+              </a:spcBef>
+              <a:spcAft>
+                <a:spcPts val="0"/>
+              </a:spcAft>
+              <a:buNone/>
+            </a:pPr>
+            <a:endParaRPr sz="1500">
+              <a:solidFill>
+                <a:srgbClr val="595959"/>
+              </a:solidFill>
+              <a:latin typeface="Source Sans Pro" panose="020B0503030403020204"/>
+              <a:ea typeface="Source Sans Pro" panose="020B0503030403020204"/>
+              <a:cs typeface="Source Sans Pro" panose="020B0503030403020204"/>
+              <a:sym typeface="Source Sans Pro" panose="020B0503030403020204"/>
+            </a:endParaRPr>
+          </a:p>
+        </p:txBody>
+      </p:sp>
+      <p:sp>
+        <p:nvSpPr>
+          <p:cNvPr id="6" name="Text Box 5"/>
+          <p:cNvSpPr txBox="1"/>
+          <p:nvPr/>
+        </p:nvSpPr>
+        <p:spPr>
+          <a:xfrm>
+            <a:off x="5664835" y="1315085"/>
+            <a:ext cx="3214370" cy="3322955"/>
+          </a:xfrm>
+          <a:prstGeom prst="rect">
+            <a:avLst/>
+          </a:prstGeom>
+          <a:noFill/>
+        </p:spPr>
+        <p:txBody>
+          <a:bodyPr wrap="square" rtlCol="0">
+            <a:spAutoFit/>
+          </a:bodyPr>
+          <a:p>
+            <a:pPr marL="285750" indent="-285750">
+              <a:buFont typeface="Arial" panose="020B0604020202020204" pitchFamily="34" charset="0"/>
+              <a:buChar char="•"/>
+            </a:pPr>
+            <a:r>
+              <a:rPr lang="en-GB" altLang="en-US"/>
+              <a:t>Further analysis shows that the number of Females positive for Diabetes is slightly higher than the number of Males that are positive. </a:t>
+            </a:r>
+            <a:endParaRPr lang="en-GB" altLang="en-US"/>
+          </a:p>
+          <a:p>
+            <a:pPr marL="285750" indent="-285750">
+              <a:buFont typeface="Arial" panose="020B0604020202020204" pitchFamily="34" charset="0"/>
+              <a:buChar char="•"/>
+            </a:pPr>
+            <a:endParaRPr lang="en-GB" altLang="en-US"/>
+          </a:p>
+          <a:p>
+            <a:pPr marL="285750" indent="-285750">
+              <a:buFont typeface="Arial" panose="020B0604020202020204" pitchFamily="34" charset="0"/>
+              <a:buChar char="•"/>
+            </a:pPr>
+            <a:r>
+              <a:rPr lang="en-GB" altLang="en-US"/>
+              <a:t>The number of females that are negative for Diabetes but may be displaying symptoms are significantly lower than the number of males that are positive</a:t>
+            </a:r>
+            <a:endParaRPr lang="en-GB" altLang="en-US"/>
+          </a:p>
+          <a:p>
+            <a:pPr marL="285750" indent="-285750">
+              <a:buFont typeface="Arial" panose="020B0604020202020204" pitchFamily="34" charset="0"/>
+              <a:buChar char="•"/>
+            </a:pPr>
+            <a:endParaRPr lang="en-GB" altLang="en-US"/>
+          </a:p>
+          <a:p>
+            <a:pPr marL="285750" indent="-285750">
+              <a:buFont typeface="Arial" panose="020B0604020202020204" pitchFamily="34" charset="0"/>
+              <a:buChar char="•"/>
+            </a:pPr>
+            <a:r>
+              <a:rPr lang="en-GB" altLang="en-US"/>
+              <a:t>However, the number of females overall with symptoms are also considerably lower than males</a:t>
+            </a:r>
+            <a:endParaRPr lang="en-GB" altLang="en-US"/>
+          </a:p>
+          <a:p>
+            <a:pPr marL="285750" indent="-285750">
+              <a:buFont typeface="Arial" panose="020B0604020202020204" pitchFamily="34" charset="0"/>
+              <a:buChar char="•"/>
+            </a:pPr>
+            <a:endParaRPr lang="en-GB" altLang="en-US"/>
+          </a:p>
+        </p:txBody>
+      </p:sp>
+    </p:spTree>
+  </p:cSld>
+  <p:clrMapOvr>
+    <a:masterClrMapping/>
+  </p:clrMapOvr>
+</p:sld>
+</file>
+
+<file path=ppt/slides/slide12.xml><?xml version="1.0" encoding="utf-8"?>
+<p:sld xmlns:a="http://schemas.openxmlformats.org/drawingml/2006/main" xmlns:r="http://schemas.openxmlformats.org/officeDocument/2006/relationships" xmlns:p="http://schemas.openxmlformats.org/presentationml/2006/main">
+  <p:cSld>
+    <p:spTree>
+      <p:nvGrpSpPr>
+        <p:cNvPr id="172" name="Shape 172"/>
+        <p:cNvGrpSpPr/>
+        <p:nvPr/>
+      </p:nvGrpSpPr>
+      <p:grpSpPr>
+        <a:xfrm>
+          <a:off x="0" y="0"/>
+          <a:ext cx="0" cy="0"/>
+          <a:chOff x="0" y="0"/>
+          <a:chExt cx="0" cy="0"/>
+        </a:xfrm>
+      </p:grpSpPr>
+      <p:sp>
+        <p:nvSpPr>
+          <p:cNvPr id="173" name="Google Shape;173;p28"/>
+          <p:cNvSpPr/>
+          <p:nvPr>
+            <p:ph type="body" idx="1"/>
+          </p:nvPr>
+        </p:nvSpPr>
+        <p:spPr>
+          <a:xfrm>
+            <a:off x="-332295" y="305760"/>
+            <a:ext cx="7317900" cy="494400"/>
+          </a:xfrm>
+          <a:prstGeom prst="parallelogram">
+            <a:avLst>
+              <a:gd name="adj" fmla="val 37388"/>
+            </a:avLst>
+          </a:prstGeom>
+          <a:solidFill>
+            <a:schemeClr val="dk2"/>
+          </a:solidFill>
+          <a:ln>
+            <a:noFill/>
+          </a:ln>
+        </p:spPr>
+        <p:txBody>
+          <a:bodyPr spcFirstLastPara="1" wrap="square" lIns="91425" tIns="45700" rIns="91425" bIns="45700" anchor="t" anchorCtr="0">
+            <a:noAutofit/>
+          </a:bodyPr>
+          <a:lstStyle/>
+          <a:p>
+            <a:pPr marL="0" lvl="0" indent="0" algn="l" rtl="0">
+              <a:lnSpc>
+                <a:spcPct val="90000"/>
+              </a:lnSpc>
+              <a:spcBef>
+                <a:spcPts val="0"/>
+              </a:spcBef>
+              <a:spcAft>
+                <a:spcPts val="0"/>
+              </a:spcAft>
+              <a:buClr>
+                <a:srgbClr val="3F3F3F"/>
+              </a:buClr>
+              <a:buSzPts val="100"/>
+              <a:buNone/>
+            </a:pPr>
+            <a:r>
+              <a:rPr lang="en-GB"/>
+              <a:t> </a:t>
+            </a:r>
+            <a:endParaRPr lang="en-GB"/>
+          </a:p>
+        </p:txBody>
+      </p:sp>
+      <p:sp>
+        <p:nvSpPr>
+          <p:cNvPr id="174" name="Google Shape;174;p28"/>
+          <p:cNvSpPr/>
+          <p:nvPr>
+            <p:ph type="body" idx="2"/>
+          </p:nvPr>
+        </p:nvSpPr>
+        <p:spPr>
+          <a:xfrm>
+            <a:off x="-141903" y="-8070"/>
+            <a:ext cx="2098200" cy="317700"/>
+          </a:xfrm>
+          <a:prstGeom prst="parallelogram">
+            <a:avLst>
+              <a:gd name="adj" fmla="val 37388"/>
+            </a:avLst>
+          </a:prstGeom>
+          <a:solidFill>
+            <a:srgbClr val="F2F2F2"/>
+          </a:solidFill>
+          <a:ln>
+            <a:noFill/>
+          </a:ln>
+        </p:spPr>
+        <p:txBody>
+          <a:bodyPr spcFirstLastPara="1" wrap="square" lIns="91425" tIns="45700" rIns="91425" bIns="45700" anchor="t" anchorCtr="0">
+            <a:noAutofit/>
+          </a:bodyPr>
+          <a:lstStyle/>
+          <a:p>
+            <a:pPr marL="0" lvl="0" indent="0" algn="l" rtl="0">
+              <a:lnSpc>
+                <a:spcPct val="90000"/>
+              </a:lnSpc>
+              <a:spcBef>
+                <a:spcPts val="0"/>
+              </a:spcBef>
+              <a:spcAft>
+                <a:spcPts val="0"/>
+              </a:spcAft>
+              <a:buClr>
+                <a:srgbClr val="3F3F3F"/>
+              </a:buClr>
+              <a:buSzPts val="100"/>
+              <a:buNone/>
+            </a:pPr>
+            <a:r>
+              <a:rPr lang="en-GB"/>
+              <a:t> </a:t>
+            </a:r>
+            <a:endParaRPr lang="en-GB"/>
+          </a:p>
+        </p:txBody>
+      </p:sp>
+      <p:sp>
+        <p:nvSpPr>
+          <p:cNvPr id="175" name="Google Shape;175;p28"/>
+          <p:cNvSpPr txBox="1"/>
+          <p:nvPr>
+            <p:ph type="body" idx="3"/>
+          </p:nvPr>
+        </p:nvSpPr>
+        <p:spPr>
+          <a:xfrm>
+            <a:off x="306807" y="60518"/>
+            <a:ext cx="1520100" cy="217800"/>
+          </a:xfrm>
+          <a:prstGeom prst="rect">
+            <a:avLst/>
+          </a:prstGeom>
+          <a:noFill/>
+          <a:ln>
+            <a:noFill/>
+          </a:ln>
+        </p:spPr>
+        <p:txBody>
+          <a:bodyPr spcFirstLastPara="1" wrap="square" lIns="91425" tIns="45700" rIns="91425" bIns="45700" anchor="t" anchorCtr="0">
+            <a:noAutofit/>
+          </a:bodyPr>
+          <a:lstStyle/>
+          <a:p>
+            <a:pPr marL="0" lvl="0" indent="0" algn="l" rtl="0">
+              <a:lnSpc>
+                <a:spcPct val="90000"/>
+              </a:lnSpc>
+              <a:spcBef>
+                <a:spcPts val="0"/>
+              </a:spcBef>
+              <a:spcAft>
+                <a:spcPts val="0"/>
+              </a:spcAft>
+              <a:buClr>
+                <a:schemeClr val="dk1"/>
+              </a:buClr>
+              <a:buSzPts val="900"/>
+              <a:buNone/>
+            </a:pPr>
+            <a:r>
+              <a:rPr lang="en-GB">
+                <a:latin typeface="Source Sans Pro" panose="020B0503030403020204"/>
+                <a:ea typeface="Source Sans Pro" panose="020B0503030403020204"/>
+                <a:cs typeface="Source Sans Pro" panose="020B0503030403020204"/>
+                <a:sym typeface="Source Sans Pro" panose="020B0503030403020204"/>
+              </a:rPr>
+              <a:t>Ameena Hamid </a:t>
+            </a:r>
+            <a:endParaRPr lang="en-GB">
+              <a:latin typeface="Source Sans Pro" panose="020B0503030403020204"/>
+              <a:ea typeface="Source Sans Pro" panose="020B0503030403020204"/>
+              <a:cs typeface="Source Sans Pro" panose="020B0503030403020204"/>
+              <a:sym typeface="Source Sans Pro" panose="020B0503030403020204"/>
+            </a:endParaRPr>
+          </a:p>
+        </p:txBody>
+      </p:sp>
+      <p:sp>
+        <p:nvSpPr>
+          <p:cNvPr id="176" name="Google Shape;176;p28"/>
+          <p:cNvSpPr txBox="1"/>
+          <p:nvPr>
+            <p:ph type="title"/>
+          </p:nvPr>
+        </p:nvSpPr>
+        <p:spPr>
+          <a:xfrm>
+            <a:off x="306807" y="400510"/>
+            <a:ext cx="6348900" cy="304800"/>
+          </a:xfrm>
+          <a:prstGeom prst="rect">
+            <a:avLst/>
+          </a:prstGeom>
+          <a:noFill/>
+          <a:ln>
+            <a:noFill/>
+          </a:ln>
+        </p:spPr>
+        <p:txBody>
+          <a:bodyPr spcFirstLastPara="1" wrap="square" lIns="91425" tIns="45700" rIns="91425" bIns="45700" anchor="ctr" anchorCtr="0">
+            <a:noAutofit/>
+          </a:bodyPr>
+          <a:lstStyle/>
+          <a:p>
+            <a:pPr marL="0" lvl="0" indent="0" algn="l" rtl="0">
+              <a:lnSpc>
+                <a:spcPct val="90000"/>
+              </a:lnSpc>
+              <a:spcBef>
+                <a:spcPts val="0"/>
+              </a:spcBef>
+              <a:spcAft>
+                <a:spcPts val="0"/>
+              </a:spcAft>
+              <a:buClr>
+                <a:schemeClr val="dk1"/>
+              </a:buClr>
+              <a:buSzPts val="1100"/>
+              <a:buFont typeface="Arial" panose="020B0604020202020204"/>
+              <a:buNone/>
+            </a:pPr>
+            <a:br>
+              <a:rPr lang="en-GB">
+                <a:sym typeface="+mn-ea"/>
+              </a:rPr>
+            </a:br>
+            <a:r>
+              <a:rPr lang="en-GB">
+                <a:sym typeface="+mn-ea"/>
+              </a:rPr>
               <a:t>Early Stage Diabetes Risk Prediction Dataset  - Summary</a:t>
             </a:r>
             <a:br>
@@ -19535,7 +20017,7 @@
                 <a:cs typeface="Source Sans Pro" panose="020B0503030403020204"/>
                 <a:sym typeface="Source Sans Pro" panose="020B0503030403020204"/>
               </a:rPr>
-              <a:t>One of the datasets I have decided to analyse for my portfolio has a theme of health, as this relates to my background in science. The dataset I have selected consists of data for the key signs and symptom of people who are either at risk of developing diabetes and are showing early signs/symptoms of the disease or have tested positive.</a:t>
+              <a:t>One of the datasets I have decided to analyse for my portfolio has a theme of health, as this relates to my background in science. The dataset I have selected consists of data for the key signs and symptom of people who are either at risk of developing diabetes and are showing early signs/symptoms of the disease have tested positive.</a:t>
             </a:r>
             <a:endParaRPr lang="en-GB" sz="1600">
               <a:solidFill>
@@ -20528,6 +21010,7 @@
               <a:ea typeface="Source Sans Pro" panose="020B0503030403020204"/>
               <a:cs typeface="Source Sans Pro" panose="020B0503030403020204"/>
               <a:sym typeface="Source Sans Pro" panose="020B0503030403020204"/>
+              <a:hlinkClick r:id="rId1" tooltip="" action="ppaction://hlinkfile"/>
             </a:endParaRPr>
           </a:p>
           <a:p>
@@ -20550,18 +21033,204 @@
                 <a:ea typeface="Source Sans Pro" panose="020B0503030403020204"/>
                 <a:cs typeface="Source Sans Pro" panose="020B0503030403020204"/>
                 <a:sym typeface="Source Sans Pro" panose="020B0503030403020204"/>
-                <a:hlinkClick r:id="rId1" tooltip="" action="ppaction://hlinkfile">
-                  <a:extLst>
-                    <a:ext uri="{DAF060AB-1E55-43B9-8AAB-6FB025537F2F}">
-                      <wpsdc:hlinkClr xmlns:wpsdc="http://www.wps.cn/officeDocument/2017/drawingmlCustomData" val="0070C0"/>
-                      <wpsdc:folHlinkClr xmlns:wpsdc="http://www.wps.cn/officeDocument/2017/drawingmlCustomData" val="249DE4"/>
-                      <wpsdc:hlinkUnderline xmlns:wpsdc="http://www.wps.cn/officeDocument/2017/drawingmlCustomData" val="1"/>
-                    </a:ext>
-                  </a:extLst>
-                </a:hlinkClick>
+                <a:hlinkClick r:id="rId1" tooltip="" action="ppaction://hlinkfile"/>
               </a:rPr>
-              <a:t>https://anaconda.cloud/share/notebooks/d2557365-2222-439d-a67a-9703f0bce062/overview</a:t>
+              <a:t>https://anaconda.cloud/share/notebooks/496e882b-39f1-4e71-98d4-ef32a37aa94a/overview</a:t>
             </a:r>
+            <a:endParaRPr lang="en-GB" sz="1600">
+              <a:solidFill>
+                <a:srgbClr val="595959"/>
+              </a:solidFill>
+              <a:latin typeface="Source Sans Pro" panose="020B0503030403020204"/>
+              <a:ea typeface="Source Sans Pro" panose="020B0503030403020204"/>
+              <a:cs typeface="Source Sans Pro" panose="020B0503030403020204"/>
+              <a:sym typeface="Source Sans Pro" panose="020B0503030403020204"/>
+              <a:hlinkClick r:id="rId1" tooltip="" action="ppaction://hlinkfile"/>
+            </a:endParaRPr>
+          </a:p>
+          <a:p>
+            <a:pPr marL="285750" lvl="0" indent="-285750" algn="l" rtl="0">
+              <a:spcBef>
+                <a:spcPts val="0"/>
+              </a:spcBef>
+              <a:spcAft>
+                <a:spcPts val="0"/>
+              </a:spcAft>
+              <a:buFont typeface="Wingdings" panose="05000000000000000000" charset="0"/>
+              <a:buChar char="v"/>
+            </a:pPr>
+            <a:endParaRPr lang="en-GB" sz="1600">
+              <a:solidFill>
+                <a:srgbClr val="595959"/>
+              </a:solidFill>
+              <a:latin typeface="Source Sans Pro" panose="020B0503030403020204"/>
+              <a:ea typeface="Source Sans Pro" panose="020B0503030403020204"/>
+              <a:cs typeface="Source Sans Pro" panose="020B0503030403020204"/>
+              <a:sym typeface="Source Sans Pro" panose="020B0503030403020204"/>
+              <a:hlinkClick r:id="rId1" tooltip="" action="ppaction://hlinkfile"/>
+            </a:endParaRPr>
+          </a:p>
+          <a:p>
+            <a:pPr marL="285750" lvl="0" indent="-285750" algn="l" rtl="0">
+              <a:spcBef>
+                <a:spcPts val="0"/>
+              </a:spcBef>
+              <a:spcAft>
+                <a:spcPts val="0"/>
+              </a:spcAft>
+              <a:buFont typeface="Wingdings" panose="05000000000000000000" charset="0"/>
+              <a:buChar char="v"/>
+            </a:pPr>
+            <a:endParaRPr lang="en-GB" sz="1600">
+              <a:solidFill>
+                <a:srgbClr val="595959"/>
+              </a:solidFill>
+              <a:latin typeface="Source Sans Pro" panose="020B0503030403020204"/>
+              <a:ea typeface="Source Sans Pro" panose="020B0503030403020204"/>
+              <a:cs typeface="Source Sans Pro" panose="020B0503030403020204"/>
+              <a:sym typeface="Source Sans Pro" panose="020B0503030403020204"/>
+              <a:hlinkClick r:id="rId1" tooltip="" action="ppaction://hlinkfile"/>
+            </a:endParaRPr>
+          </a:p>
+          <a:p>
+            <a:pPr marL="285750" lvl="0" indent="-285750" algn="l" rtl="0">
+              <a:spcBef>
+                <a:spcPts val="0"/>
+              </a:spcBef>
+              <a:spcAft>
+                <a:spcPts val="0"/>
+              </a:spcAft>
+              <a:buFont typeface="Wingdings" panose="05000000000000000000" charset="0"/>
+              <a:buChar char="v"/>
+            </a:pPr>
+            <a:endParaRPr lang="en-GB" sz="1600">
+              <a:solidFill>
+                <a:srgbClr val="595959"/>
+              </a:solidFill>
+              <a:latin typeface="Source Sans Pro" panose="020B0503030403020204"/>
+              <a:ea typeface="Source Sans Pro" panose="020B0503030403020204"/>
+              <a:cs typeface="Source Sans Pro" panose="020B0503030403020204"/>
+              <a:sym typeface="Source Sans Pro" panose="020B0503030403020204"/>
+              <a:hlinkClick r:id="rId1" tooltip="" action="ppaction://hlinkfile"/>
+            </a:endParaRPr>
+          </a:p>
+          <a:p>
+            <a:pPr marL="285750" lvl="0" indent="-285750" algn="l" rtl="0">
+              <a:spcBef>
+                <a:spcPts val="0"/>
+              </a:spcBef>
+              <a:spcAft>
+                <a:spcPts val="0"/>
+              </a:spcAft>
+              <a:buFont typeface="Wingdings" panose="05000000000000000000" charset="0"/>
+              <a:buChar char="v"/>
+            </a:pPr>
+            <a:endParaRPr lang="en-GB" sz="1600">
+              <a:solidFill>
+                <a:srgbClr val="595959"/>
+              </a:solidFill>
+              <a:latin typeface="Source Sans Pro" panose="020B0503030403020204"/>
+              <a:ea typeface="Source Sans Pro" panose="020B0503030403020204"/>
+              <a:cs typeface="Source Sans Pro" panose="020B0503030403020204"/>
+              <a:sym typeface="Source Sans Pro" panose="020B0503030403020204"/>
+              <a:hlinkClick r:id="rId1" tooltip="" action="ppaction://hlinkfile"/>
+            </a:endParaRPr>
+          </a:p>
+          <a:p>
+            <a:pPr marL="285750" lvl="0" indent="-285750" algn="l" rtl="0">
+              <a:spcBef>
+                <a:spcPts val="0"/>
+              </a:spcBef>
+              <a:spcAft>
+                <a:spcPts val="0"/>
+              </a:spcAft>
+              <a:buFont typeface="Wingdings" panose="05000000000000000000" charset="0"/>
+              <a:buChar char="v"/>
+            </a:pPr>
+            <a:endParaRPr lang="en-GB" sz="1600">
+              <a:solidFill>
+                <a:srgbClr val="595959"/>
+              </a:solidFill>
+              <a:latin typeface="Source Sans Pro" panose="020B0503030403020204"/>
+              <a:ea typeface="Source Sans Pro" panose="020B0503030403020204"/>
+              <a:cs typeface="Source Sans Pro" panose="020B0503030403020204"/>
+              <a:sym typeface="Source Sans Pro" panose="020B0503030403020204"/>
+            </a:endParaRPr>
+          </a:p>
+          <a:p>
+            <a:pPr marL="285750" lvl="0" indent="-285750" algn="l" rtl="0">
+              <a:spcBef>
+                <a:spcPts val="0"/>
+              </a:spcBef>
+              <a:spcAft>
+                <a:spcPts val="0"/>
+              </a:spcAft>
+              <a:buFont typeface="Wingdings" panose="05000000000000000000" charset="0"/>
+              <a:buChar char="v"/>
+            </a:pPr>
+            <a:endParaRPr lang="en-GB" sz="1600">
+              <a:solidFill>
+                <a:srgbClr val="595959"/>
+              </a:solidFill>
+              <a:latin typeface="Source Sans Pro" panose="020B0503030403020204"/>
+              <a:ea typeface="Source Sans Pro" panose="020B0503030403020204"/>
+              <a:cs typeface="Source Sans Pro" panose="020B0503030403020204"/>
+              <a:sym typeface="Source Sans Pro" panose="020B0503030403020204"/>
+            </a:endParaRPr>
+          </a:p>
+          <a:p>
+            <a:pPr marL="285750" lvl="0" indent="-285750" algn="l" rtl="0">
+              <a:spcBef>
+                <a:spcPts val="0"/>
+              </a:spcBef>
+              <a:spcAft>
+                <a:spcPts val="0"/>
+              </a:spcAft>
+              <a:buFont typeface="Wingdings" panose="05000000000000000000" charset="0"/>
+              <a:buChar char="v"/>
+            </a:pPr>
+            <a:endParaRPr lang="en-GB" sz="1600">
+              <a:solidFill>
+                <a:srgbClr val="595959"/>
+              </a:solidFill>
+              <a:latin typeface="Source Sans Pro" panose="020B0503030403020204"/>
+              <a:ea typeface="Source Sans Pro" panose="020B0503030403020204"/>
+              <a:cs typeface="Source Sans Pro" panose="020B0503030403020204"/>
+              <a:sym typeface="Source Sans Pro" panose="020B0503030403020204"/>
+            </a:endParaRPr>
+          </a:p>
+          <a:p>
+            <a:pPr marL="285750" lvl="0" indent="-285750" algn="l" rtl="0">
+              <a:spcBef>
+                <a:spcPts val="0"/>
+              </a:spcBef>
+              <a:spcAft>
+                <a:spcPts val="0"/>
+              </a:spcAft>
+              <a:buFont typeface="Wingdings" panose="05000000000000000000" charset="0"/>
+              <a:buChar char="v"/>
+            </a:pPr>
+            <a:endParaRPr lang="en-GB" sz="1600">
+              <a:solidFill>
+                <a:srgbClr val="595959"/>
+              </a:solidFill>
+              <a:latin typeface="Source Sans Pro" panose="020B0503030403020204"/>
+              <a:ea typeface="Source Sans Pro" panose="020B0503030403020204"/>
+              <a:cs typeface="Source Sans Pro" panose="020B0503030403020204"/>
+              <a:sym typeface="Source Sans Pro" panose="020B0503030403020204"/>
+            </a:endParaRPr>
+          </a:p>
+          <a:p>
+            <a:pPr marL="285750" lvl="0" indent="-285750" algn="l" rtl="0">
+              <a:spcBef>
+                <a:spcPts val="0"/>
+              </a:spcBef>
+              <a:spcAft>
+                <a:spcPts val="0"/>
+              </a:spcAft>
+              <a:buFont typeface="Wingdings" panose="05000000000000000000" charset="0"/>
+              <a:buChar char="v"/>
+            </a:pPr>
             <a:endParaRPr lang="en-GB" sz="1600">
               <a:solidFill>
                 <a:srgbClr val="595959"/>
@@ -21438,7 +22107,7 @@
       </p:sp>
       <p:pic>
         <p:nvPicPr>
-          <p:cNvPr id="1" name="Picture 0"/>
+          <p:cNvPr id="2" name="Picture 1"/>
           <p:cNvPicPr>
             <a:picLocks noChangeAspect="1"/>
           </p:cNvPicPr>

--- a/Data Portfolio.pptx
+++ b/Data Portfolio.pptx
@@ -10,29 +10,28 @@
   </p:notesMasterIdLst>
   <p:sldIdLst>
     <p:sldId id="256" r:id="rId4"/>
-    <p:sldId id="257" r:id="rId6"/>
-    <p:sldId id="259" r:id="rId7"/>
-    <p:sldId id="260" r:id="rId8"/>
-    <p:sldId id="268" r:id="rId9"/>
-    <p:sldId id="264" r:id="rId10"/>
-    <p:sldId id="275" r:id="rId11"/>
-    <p:sldId id="265" r:id="rId12"/>
-    <p:sldId id="267" r:id="rId13"/>
-    <p:sldId id="272" r:id="rId14"/>
-    <p:sldId id="273" r:id="rId15"/>
-    <p:sldId id="269" r:id="rId16"/>
+    <p:sldId id="259" r:id="rId6"/>
+    <p:sldId id="260" r:id="rId7"/>
+    <p:sldId id="268" r:id="rId8"/>
+    <p:sldId id="264" r:id="rId9"/>
+    <p:sldId id="275" r:id="rId10"/>
+    <p:sldId id="265" r:id="rId11"/>
+    <p:sldId id="267" r:id="rId12"/>
+    <p:sldId id="272" r:id="rId13"/>
+    <p:sldId id="273" r:id="rId14"/>
+    <p:sldId id="269" r:id="rId15"/>
   </p:sldIdLst>
   <p:sldSz cx="9144000" cy="5143500"/>
   <p:notesSz cx="6858000" cy="9144000"/>
   <p:embeddedFontLst>
     <p:embeddedFont>
       <p:font typeface="Source Sans Pro SemiBold" panose="020B0703030403020204"/>
-      <p:bold r:id="rId20"/>
-      <p:boldItalic r:id="rId21"/>
+      <p:bold r:id="rId19"/>
+      <p:boldItalic r:id="rId20"/>
     </p:embeddedFont>
     <p:embeddedFont>
       <p:font typeface="Source Sans Pro" panose="020B0503030403020204"/>
-      <p:regular r:id="rId22"/>
+      <p:regular r:id="rId21"/>
     </p:embeddedFont>
   </p:embeddedFontLst>
   <p:defaultTextStyle>
@@ -999,12 +998,12 @@
 </p:notes>
 </file>
 
-<file path=ppt/notesSlides/notesSlide12.xml><?xml version="1.0" encoding="utf-8"?>
+<file path=ppt/notesSlides/notesSlide2.xml><?xml version="1.0" encoding="utf-8"?>
 <p:notes xmlns:a="http://schemas.openxmlformats.org/drawingml/2006/main" xmlns:r="http://schemas.openxmlformats.org/officeDocument/2006/relationships" xmlns:p="http://schemas.openxmlformats.org/presentationml/2006/main" showMasterPhAnim="0" showMasterSp="0">
   <p:cSld>
     <p:spTree>
       <p:nvGrpSpPr>
-        <p:cNvPr id="169" name="Shape 169"/>
+        <p:cNvPr id="142" name="Shape 142"/>
         <p:cNvGrpSpPr/>
         <p:nvPr/>
       </p:nvGrpSpPr>
@@ -1018,7 +1017,7 @@
       </p:grpSpPr>
       <p:sp>
         <p:nvSpPr>
-          <p:cNvPr id="170" name="Google Shape;170;g1644ef15d69_0_32:notes"/>
+          <p:cNvPr id="143" name="Google Shape;143;g1644ef15d69_0_8:notes"/>
           <p:cNvSpPr txBox="1"/>
           <p:nvPr>
             <p:ph type="body" idx="1"/>
@@ -1053,106 +1052,7 @@
       </p:sp>
       <p:sp>
         <p:nvSpPr>
-          <p:cNvPr id="171" name="Google Shape;171;g1644ef15d69_0_32:notes"/>
-          <p:cNvSpPr/>
-          <p:nvPr>
-            <p:ph type="sldImg" idx="2"/>
-          </p:nvPr>
-        </p:nvSpPr>
-        <p:spPr>
-          <a:xfrm>
-            <a:off x="685800" y="1143000"/>
-            <a:ext cx="5486400" cy="3086100"/>
-          </a:xfrm>
-          <a:custGeom>
-            <a:avLst/>
-            <a:gdLst/>
-            <a:ahLst/>
-            <a:cxnLst/>
-            <a:rect l="l" t="t" r="r" b="b"/>
-            <a:pathLst>
-              <a:path w="120000" h="120000" extrusionOk="0">
-                <a:moveTo>
-                  <a:pt x="0" y="0"/>
-                </a:moveTo>
-                <a:lnTo>
-                  <a:pt x="120000" y="0"/>
-                </a:lnTo>
-                <a:lnTo>
-                  <a:pt x="120000" y="120000"/>
-                </a:lnTo>
-                <a:lnTo>
-                  <a:pt x="0" y="120000"/>
-                </a:lnTo>
-                <a:close/>
-              </a:path>
-            </a:pathLst>
-          </a:custGeom>
-        </p:spPr>
-      </p:sp>
-    </p:spTree>
-  </p:cSld>
-  <p:clrMapOvr>
-    <a:masterClrMapping/>
-  </p:clrMapOvr>
-</p:notes>
-</file>
-
-<file path=ppt/notesSlides/notesSlide2.xml><?xml version="1.0" encoding="utf-8"?>
-<p:notes xmlns:a="http://schemas.openxmlformats.org/drawingml/2006/main" xmlns:r="http://schemas.openxmlformats.org/officeDocument/2006/relationships" xmlns:p="http://schemas.openxmlformats.org/presentationml/2006/main" showMasterPhAnim="0" showMasterSp="0">
-  <p:cSld>
-    <p:spTree>
-      <p:nvGrpSpPr>
-        <p:cNvPr id="124" name="Shape 124"/>
-        <p:cNvGrpSpPr/>
-        <p:nvPr/>
-      </p:nvGrpSpPr>
-      <p:grpSpPr>
-        <a:xfrm>
-          <a:off x="0" y="0"/>
-          <a:ext cx="0" cy="0"/>
-          <a:chOff x="0" y="0"/>
-          <a:chExt cx="0" cy="0"/>
-        </a:xfrm>
-      </p:grpSpPr>
-      <p:sp>
-        <p:nvSpPr>
-          <p:cNvPr id="125" name="Google Shape;125;g1476cf7eb09_0_263:notes"/>
-          <p:cNvSpPr txBox="1"/>
-          <p:nvPr>
-            <p:ph type="body" idx="1"/>
-          </p:nvPr>
-        </p:nvSpPr>
-        <p:spPr>
-          <a:xfrm>
-            <a:off x="685800" y="4400550"/>
-            <a:ext cx="5486400" cy="3600600"/>
-          </a:xfrm>
-          <a:prstGeom prst="rect">
-            <a:avLst/>
-          </a:prstGeom>
-        </p:spPr>
-        <p:txBody>
-          <a:bodyPr spcFirstLastPara="1" wrap="square" lIns="91425" tIns="91425" rIns="91425" bIns="91425" anchor="t" anchorCtr="0">
-            <a:noAutofit/>
-          </a:bodyPr>
-          <a:lstStyle/>
-          <a:p>
-            <a:pPr marL="0" lvl="0" indent="0" algn="l" rtl="0">
-              <a:spcBef>
-                <a:spcPts val="0"/>
-              </a:spcBef>
-              <a:spcAft>
-                <a:spcPts val="0"/>
-              </a:spcAft>
-              <a:buNone/>
-            </a:pPr>
-          </a:p>
-        </p:txBody>
-      </p:sp>
-      <p:sp>
-        <p:nvSpPr>
-          <p:cNvPr id="126" name="Google Shape;126;g1476cf7eb09_0_263:notes"/>
+          <p:cNvPr id="144" name="Google Shape;144;g1644ef15d69_0_8:notes"/>
           <p:cNvSpPr/>
           <p:nvPr>
             <p:ph type="sldImg" idx="2"/>
@@ -1202,7 +1102,7 @@
   <p:cSld>
     <p:spTree>
       <p:nvGrpSpPr>
-        <p:cNvPr id="142" name="Shape 142"/>
+        <p:cNvPr id="151" name="Shape 151"/>
         <p:cNvGrpSpPr/>
         <p:nvPr/>
       </p:nvGrpSpPr>
@@ -1216,7 +1116,7 @@
       </p:grpSpPr>
       <p:sp>
         <p:nvSpPr>
-          <p:cNvPr id="143" name="Google Shape;143;g1644ef15d69_0_8:notes"/>
+          <p:cNvPr id="152" name="Google Shape;152;g1644ef15d69_0_16:notes"/>
           <p:cNvSpPr txBox="1"/>
           <p:nvPr>
             <p:ph type="body" idx="1"/>
@@ -1251,7 +1151,7 @@
       </p:sp>
       <p:sp>
         <p:nvSpPr>
-          <p:cNvPr id="144" name="Google Shape;144;g1644ef15d69_0_8:notes"/>
+          <p:cNvPr id="153" name="Google Shape;153;g1644ef15d69_0_16:notes"/>
           <p:cNvSpPr/>
           <p:nvPr>
             <p:ph type="sldImg" idx="2"/>
@@ -1400,7 +1300,7 @@
   <p:cSld>
     <p:spTree>
       <p:nvGrpSpPr>
-        <p:cNvPr id="151" name="Shape 151"/>
+        <p:cNvPr id="169" name="Shape 169"/>
         <p:cNvGrpSpPr/>
         <p:nvPr/>
       </p:nvGrpSpPr>
@@ -1414,7 +1314,7 @@
       </p:grpSpPr>
       <p:sp>
         <p:nvSpPr>
-          <p:cNvPr id="152" name="Google Shape;152;g1644ef15d69_0_16:notes"/>
+          <p:cNvPr id="170" name="Google Shape;170;g1644ef15d69_0_32:notes"/>
           <p:cNvSpPr txBox="1"/>
           <p:nvPr>
             <p:ph type="body" idx="1"/>
@@ -1444,12 +1344,17 @@
               </a:spcAft>
               <a:buNone/>
             </a:pPr>
+            <a:r>
+              <a:rPr lang="en-GB"/>
+              <a:t>Is there a trend where the older you are, the more likely you are to be on the onset of diabetes? </a:t>
+            </a:r>
+            <a:endParaRPr lang="en-GB"/>
           </a:p>
         </p:txBody>
       </p:sp>
       <p:sp>
         <p:nvSpPr>
-          <p:cNvPr id="153" name="Google Shape;153;g1644ef15d69_0_16:notes"/>
+          <p:cNvPr id="171" name="Google Shape;171;g1644ef15d69_0_32:notes"/>
           <p:cNvSpPr/>
           <p:nvPr>
             <p:ph type="sldImg" idx="2"/>
@@ -1543,10 +1448,6 @@
               </a:spcAft>
               <a:buNone/>
             </a:pPr>
-            <a:r>
-              <a:rPr lang="en-GB"/>
-              <a:t>Is there a trend where the older you are, the more likely you are to be on the onset of diabetes? </a:t>
-            </a:r>
             <a:endParaRPr lang="en-GB"/>
           </a:p>
         </p:txBody>
@@ -1747,7 +1648,6 @@
               </a:spcAft>
               <a:buNone/>
             </a:pPr>
-            <a:endParaRPr lang="en-GB"/>
           </a:p>
         </p:txBody>
       </p:sp>
@@ -18361,30 +18261,6 @@
           </a:p>
         </p:txBody>
       </p:sp>
-      <p:pic>
-        <p:nvPicPr>
-          <p:cNvPr id="2" name="Picture 1"/>
-          <p:cNvPicPr>
-            <a:picLocks noChangeAspect="1"/>
-          </p:cNvPicPr>
-          <p:nvPr/>
-        </p:nvPicPr>
-        <p:blipFill>
-          <a:blip r:embed="rId1"/>
-          <a:stretch>
-            <a:fillRect/>
-          </a:stretch>
-        </p:blipFill>
-        <p:spPr>
-          <a:xfrm>
-            <a:off x="248920" y="989965"/>
-            <a:ext cx="5314950" cy="3715385"/>
-          </a:xfrm>
-          <a:prstGeom prst="rect">
-            <a:avLst/>
-          </a:prstGeom>
-        </p:spPr>
-      </p:pic>
     </p:spTree>
   </p:cSld>
   <p:clrMapOvr>
@@ -18634,388 +18510,6 @@
               <a:rPr lang="en-GB">
                 <a:sym typeface="+mn-ea"/>
               </a:rPr>
-              <a:t>Early Stage Diabetes Risk Prediction Dataset  - Data Visualization</a:t>
-            </a:r>
-            <a:br>
-              <a:rPr lang="en-GB">
-                <a:sym typeface="+mn-ea"/>
-              </a:rPr>
-            </a:br>
-            <a:endParaRPr lang="en-GB"/>
-          </a:p>
-        </p:txBody>
-      </p:sp>
-      <p:sp>
-        <p:nvSpPr>
-          <p:cNvPr id="177" name="Google Shape;177;p28"/>
-          <p:cNvSpPr txBox="1"/>
-          <p:nvPr/>
-        </p:nvSpPr>
-        <p:spPr>
-          <a:xfrm>
-            <a:off x="249125" y="989850"/>
-            <a:ext cx="6678900" cy="3163800"/>
-          </a:xfrm>
-          <a:prstGeom prst="rect">
-            <a:avLst/>
-          </a:prstGeom>
-          <a:noFill/>
-          <a:ln>
-            <a:noFill/>
-          </a:ln>
-        </p:spPr>
-        <p:txBody>
-          <a:bodyPr spcFirstLastPara="1" wrap="square" lIns="91425" tIns="91425" rIns="91425" bIns="91425" anchor="t" anchorCtr="0">
-            <a:noAutofit/>
-          </a:bodyPr>
-          <a:lstStyle/>
-          <a:p>
-            <a:pPr marL="0" lvl="0" indent="0" algn="l" rtl="0">
-              <a:spcBef>
-                <a:spcPts val="0"/>
-              </a:spcBef>
-              <a:spcAft>
-                <a:spcPts val="0"/>
-              </a:spcAft>
-              <a:buNone/>
-            </a:pPr>
-            <a:endParaRPr sz="1500">
-              <a:solidFill>
-                <a:srgbClr val="595959"/>
-              </a:solidFill>
-              <a:latin typeface="Source Sans Pro" panose="020B0503030403020204"/>
-              <a:ea typeface="Source Sans Pro" panose="020B0503030403020204"/>
-              <a:cs typeface="Source Sans Pro" panose="020B0503030403020204"/>
-              <a:sym typeface="Source Sans Pro" panose="020B0503030403020204"/>
-            </a:endParaRPr>
-          </a:p>
-        </p:txBody>
-      </p:sp>
-      <p:sp>
-        <p:nvSpPr>
-          <p:cNvPr id="6" name="Text Box 5"/>
-          <p:cNvSpPr txBox="1"/>
-          <p:nvPr/>
-        </p:nvSpPr>
-        <p:spPr>
-          <a:xfrm>
-            <a:off x="5664835" y="1315085"/>
-            <a:ext cx="3214370" cy="3322955"/>
-          </a:xfrm>
-          <a:prstGeom prst="rect">
-            <a:avLst/>
-          </a:prstGeom>
-          <a:noFill/>
-        </p:spPr>
-        <p:txBody>
-          <a:bodyPr wrap="square" rtlCol="0">
-            <a:spAutoFit/>
-          </a:bodyPr>
-          <a:p>
-            <a:pPr marL="285750" indent="-285750">
-              <a:buFont typeface="Arial" panose="020B0604020202020204" pitchFamily="34" charset="0"/>
-              <a:buChar char="•"/>
-            </a:pPr>
-            <a:r>
-              <a:rPr lang="en-GB" altLang="en-US"/>
-              <a:t>Further analysis shows that the number of Females positive for Diabetes is slightly higher than the number of Males that are positive. </a:t>
-            </a:r>
-            <a:endParaRPr lang="en-GB" altLang="en-US"/>
-          </a:p>
-          <a:p>
-            <a:pPr marL="285750" indent="-285750">
-              <a:buFont typeface="Arial" panose="020B0604020202020204" pitchFamily="34" charset="0"/>
-              <a:buChar char="•"/>
-            </a:pPr>
-            <a:endParaRPr lang="en-GB" altLang="en-US"/>
-          </a:p>
-          <a:p>
-            <a:pPr marL="285750" indent="-285750">
-              <a:buFont typeface="Arial" panose="020B0604020202020204" pitchFamily="34" charset="0"/>
-              <a:buChar char="•"/>
-            </a:pPr>
-            <a:r>
-              <a:rPr lang="en-GB" altLang="en-US"/>
-              <a:t>The number of females that are negative for Diabetes but may be displaying symptoms are significantly lower than the number of males that are positive</a:t>
-            </a:r>
-            <a:endParaRPr lang="en-GB" altLang="en-US"/>
-          </a:p>
-          <a:p>
-            <a:pPr marL="285750" indent="-285750">
-              <a:buFont typeface="Arial" panose="020B0604020202020204" pitchFamily="34" charset="0"/>
-              <a:buChar char="•"/>
-            </a:pPr>
-            <a:endParaRPr lang="en-GB" altLang="en-US"/>
-          </a:p>
-          <a:p>
-            <a:pPr marL="285750" indent="-285750">
-              <a:buFont typeface="Arial" panose="020B0604020202020204" pitchFamily="34" charset="0"/>
-              <a:buChar char="•"/>
-            </a:pPr>
-            <a:r>
-              <a:rPr lang="en-GB" altLang="en-US"/>
-              <a:t>However, the number of females overall with symptoms are also considerably lower than males</a:t>
-            </a:r>
-            <a:endParaRPr lang="en-GB" altLang="en-US"/>
-          </a:p>
-          <a:p>
-            <a:pPr marL="285750" indent="-285750">
-              <a:buFont typeface="Arial" panose="020B0604020202020204" pitchFamily="34" charset="0"/>
-              <a:buChar char="•"/>
-            </a:pPr>
-            <a:endParaRPr lang="en-GB" altLang="en-US"/>
-          </a:p>
-        </p:txBody>
-      </p:sp>
-    </p:spTree>
-  </p:cSld>
-  <p:clrMapOvr>
-    <a:masterClrMapping/>
-  </p:clrMapOvr>
-</p:sld>
-</file>
-
-<file path=ppt/slides/slide12.xml><?xml version="1.0" encoding="utf-8"?>
-<p:sld xmlns:a="http://schemas.openxmlformats.org/drawingml/2006/main" xmlns:r="http://schemas.openxmlformats.org/officeDocument/2006/relationships" xmlns:p="http://schemas.openxmlformats.org/presentationml/2006/main">
-  <p:cSld>
-    <p:spTree>
-      <p:nvGrpSpPr>
-        <p:cNvPr id="172" name="Shape 172"/>
-        <p:cNvGrpSpPr/>
-        <p:nvPr/>
-      </p:nvGrpSpPr>
-      <p:grpSpPr>
-        <a:xfrm>
-          <a:off x="0" y="0"/>
-          <a:ext cx="0" cy="0"/>
-          <a:chOff x="0" y="0"/>
-          <a:chExt cx="0" cy="0"/>
-        </a:xfrm>
-      </p:grpSpPr>
-      <p:sp>
-        <p:nvSpPr>
-          <p:cNvPr id="173" name="Google Shape;173;p28"/>
-          <p:cNvSpPr/>
-          <p:nvPr>
-            <p:ph type="body" idx="1"/>
-          </p:nvPr>
-        </p:nvSpPr>
-        <p:spPr>
-          <a:xfrm>
-            <a:off x="-332295" y="305760"/>
-            <a:ext cx="7317900" cy="494400"/>
-          </a:xfrm>
-          <a:prstGeom prst="parallelogram">
-            <a:avLst>
-              <a:gd name="adj" fmla="val 37388"/>
-            </a:avLst>
-          </a:prstGeom>
-          <a:solidFill>
-            <a:schemeClr val="dk2"/>
-          </a:solidFill>
-          <a:ln>
-            <a:noFill/>
-          </a:ln>
-        </p:spPr>
-        <p:txBody>
-          <a:bodyPr spcFirstLastPara="1" wrap="square" lIns="91425" tIns="45700" rIns="91425" bIns="45700" anchor="t" anchorCtr="0">
-            <a:noAutofit/>
-          </a:bodyPr>
-          <a:lstStyle/>
-          <a:p>
-            <a:pPr marL="0" lvl="0" indent="0" algn="l" rtl="0">
-              <a:lnSpc>
-                <a:spcPct val="90000"/>
-              </a:lnSpc>
-              <a:spcBef>
-                <a:spcPts val="0"/>
-              </a:spcBef>
-              <a:spcAft>
-                <a:spcPts val="0"/>
-              </a:spcAft>
-              <a:buClr>
-                <a:srgbClr val="3F3F3F"/>
-              </a:buClr>
-              <a:buSzPts val="100"/>
-              <a:buNone/>
-            </a:pPr>
-            <a:r>
-              <a:rPr lang="en-GB"/>
-              <a:t> </a:t>
-            </a:r>
-            <a:endParaRPr lang="en-GB"/>
-          </a:p>
-        </p:txBody>
-      </p:sp>
-      <p:sp>
-        <p:nvSpPr>
-          <p:cNvPr id="174" name="Google Shape;174;p28"/>
-          <p:cNvSpPr/>
-          <p:nvPr>
-            <p:ph type="body" idx="2"/>
-          </p:nvPr>
-        </p:nvSpPr>
-        <p:spPr>
-          <a:xfrm>
-            <a:off x="-141903" y="-8070"/>
-            <a:ext cx="2098200" cy="317700"/>
-          </a:xfrm>
-          <a:prstGeom prst="parallelogram">
-            <a:avLst>
-              <a:gd name="adj" fmla="val 37388"/>
-            </a:avLst>
-          </a:prstGeom>
-          <a:solidFill>
-            <a:srgbClr val="F2F2F2"/>
-          </a:solidFill>
-          <a:ln>
-            <a:noFill/>
-          </a:ln>
-        </p:spPr>
-        <p:txBody>
-          <a:bodyPr spcFirstLastPara="1" wrap="square" lIns="91425" tIns="45700" rIns="91425" bIns="45700" anchor="t" anchorCtr="0">
-            <a:noAutofit/>
-          </a:bodyPr>
-          <a:lstStyle/>
-          <a:p>
-            <a:pPr marL="0" lvl="0" indent="0" algn="l" rtl="0">
-              <a:lnSpc>
-                <a:spcPct val="90000"/>
-              </a:lnSpc>
-              <a:spcBef>
-                <a:spcPts val="0"/>
-              </a:spcBef>
-              <a:spcAft>
-                <a:spcPts val="0"/>
-              </a:spcAft>
-              <a:buClr>
-                <a:srgbClr val="3F3F3F"/>
-              </a:buClr>
-              <a:buSzPts val="100"/>
-              <a:buNone/>
-            </a:pPr>
-            <a:r>
-              <a:rPr lang="en-GB"/>
-              <a:t> </a:t>
-            </a:r>
-            <a:endParaRPr lang="en-GB"/>
-          </a:p>
-        </p:txBody>
-      </p:sp>
-      <p:sp>
-        <p:nvSpPr>
-          <p:cNvPr id="175" name="Google Shape;175;p28"/>
-          <p:cNvSpPr txBox="1"/>
-          <p:nvPr>
-            <p:ph type="body" idx="3"/>
-          </p:nvPr>
-        </p:nvSpPr>
-        <p:spPr>
-          <a:xfrm>
-            <a:off x="306807" y="60518"/>
-            <a:ext cx="1520100" cy="217800"/>
-          </a:xfrm>
-          <a:prstGeom prst="rect">
-            <a:avLst/>
-          </a:prstGeom>
-          <a:noFill/>
-          <a:ln>
-            <a:noFill/>
-          </a:ln>
-        </p:spPr>
-        <p:txBody>
-          <a:bodyPr spcFirstLastPara="1" wrap="square" lIns="91425" tIns="45700" rIns="91425" bIns="45700" anchor="t" anchorCtr="0">
-            <a:noAutofit/>
-          </a:bodyPr>
-          <a:lstStyle/>
-          <a:p>
-            <a:pPr marL="0" lvl="0" indent="0" algn="l" rtl="0">
-              <a:lnSpc>
-                <a:spcPct val="90000"/>
-              </a:lnSpc>
-              <a:spcBef>
-                <a:spcPts val="0"/>
-              </a:spcBef>
-              <a:spcAft>
-                <a:spcPts val="0"/>
-              </a:spcAft>
-              <a:buClr>
-                <a:schemeClr val="dk1"/>
-              </a:buClr>
-              <a:buSzPts val="900"/>
-              <a:buNone/>
-            </a:pPr>
-            <a:r>
-              <a:rPr lang="en-GB">
-                <a:latin typeface="Source Sans Pro" panose="020B0503030403020204"/>
-                <a:ea typeface="Source Sans Pro" panose="020B0503030403020204"/>
-                <a:cs typeface="Source Sans Pro" panose="020B0503030403020204"/>
-                <a:sym typeface="Source Sans Pro" panose="020B0503030403020204"/>
-              </a:rPr>
-              <a:t>Ameena Hamid </a:t>
-            </a:r>
-            <a:endParaRPr lang="en-GB">
-              <a:latin typeface="Source Sans Pro" panose="020B0503030403020204"/>
-              <a:ea typeface="Source Sans Pro" panose="020B0503030403020204"/>
-              <a:cs typeface="Source Sans Pro" panose="020B0503030403020204"/>
-              <a:sym typeface="Source Sans Pro" panose="020B0503030403020204"/>
-            </a:endParaRPr>
-          </a:p>
-        </p:txBody>
-      </p:sp>
-      <p:sp>
-        <p:nvSpPr>
-          <p:cNvPr id="176" name="Google Shape;176;p28"/>
-          <p:cNvSpPr txBox="1"/>
-          <p:nvPr>
-            <p:ph type="title"/>
-          </p:nvPr>
-        </p:nvSpPr>
-        <p:spPr>
-          <a:xfrm>
-            <a:off x="306807" y="400510"/>
-            <a:ext cx="6348900" cy="304800"/>
-          </a:xfrm>
-          <a:prstGeom prst="rect">
-            <a:avLst/>
-          </a:prstGeom>
-          <a:noFill/>
-          <a:ln>
-            <a:noFill/>
-          </a:ln>
-        </p:spPr>
-        <p:txBody>
-          <a:bodyPr spcFirstLastPara="1" wrap="square" lIns="91425" tIns="45700" rIns="91425" bIns="45700" anchor="ctr" anchorCtr="0">
-            <a:noAutofit/>
-          </a:bodyPr>
-          <a:lstStyle/>
-          <a:p>
-            <a:pPr marL="0" lvl="0" indent="0" algn="l" rtl="0">
-              <a:lnSpc>
-                <a:spcPct val="90000"/>
-              </a:lnSpc>
-              <a:spcBef>
-                <a:spcPts val="0"/>
-              </a:spcBef>
-              <a:spcAft>
-                <a:spcPts val="0"/>
-              </a:spcAft>
-              <a:buClr>
-                <a:schemeClr val="dk1"/>
-              </a:buClr>
-              <a:buSzPts val="1100"/>
-              <a:buFont typeface="Arial" panose="020B0604020202020204"/>
-              <a:buNone/>
-            </a:pPr>
-            <a:br>
-              <a:rPr lang="en-GB">
-                <a:sym typeface="+mn-ea"/>
-              </a:rPr>
-            </a:br>
-            <a:r>
-              <a:rPr lang="en-GB">
-                <a:sym typeface="+mn-ea"/>
-              </a:rPr>
               <a:t>Early Stage Diabetes Risk Prediction Dataset  - Summary</a:t>
             </a:r>
             <a:br>
@@ -19341,399 +18835,6 @@
 </file>
 
 <file path=ppt/slides/slide2.xml><?xml version="1.0" encoding="utf-8"?>
-<p:sld xmlns:a="http://schemas.openxmlformats.org/drawingml/2006/main" xmlns:r="http://schemas.openxmlformats.org/officeDocument/2006/relationships" xmlns:p="http://schemas.openxmlformats.org/presentationml/2006/main">
-  <p:cSld>
-    <p:spTree>
-      <p:nvGrpSpPr>
-        <p:cNvPr id="127" name="Shape 127"/>
-        <p:cNvGrpSpPr/>
-        <p:nvPr/>
-      </p:nvGrpSpPr>
-      <p:grpSpPr>
-        <a:xfrm>
-          <a:off x="0" y="0"/>
-          <a:ext cx="0" cy="0"/>
-          <a:chOff x="0" y="0"/>
-          <a:chExt cx="0" cy="0"/>
-        </a:xfrm>
-      </p:grpSpPr>
-      <p:sp>
-        <p:nvSpPr>
-          <p:cNvPr id="128" name="Google Shape;128;p23"/>
-          <p:cNvSpPr/>
-          <p:nvPr>
-            <p:ph type="body" idx="1"/>
-          </p:nvPr>
-        </p:nvSpPr>
-        <p:spPr>
-          <a:xfrm>
-            <a:off x="-332295" y="305760"/>
-            <a:ext cx="7317900" cy="494400"/>
-          </a:xfrm>
-          <a:prstGeom prst="parallelogram">
-            <a:avLst>
-              <a:gd name="adj" fmla="val 37388"/>
-            </a:avLst>
-          </a:prstGeom>
-          <a:solidFill>
-            <a:schemeClr val="dk2"/>
-          </a:solidFill>
-          <a:ln>
-            <a:noFill/>
-          </a:ln>
-        </p:spPr>
-        <p:txBody>
-          <a:bodyPr spcFirstLastPara="1" wrap="square" lIns="91425" tIns="45700" rIns="91425" bIns="45700" anchor="t" anchorCtr="0">
-            <a:noAutofit/>
-          </a:bodyPr>
-          <a:lstStyle/>
-          <a:p>
-            <a:pPr marL="0" lvl="0" indent="0" algn="l" rtl="0">
-              <a:lnSpc>
-                <a:spcPct val="90000"/>
-              </a:lnSpc>
-              <a:spcBef>
-                <a:spcPts val="0"/>
-              </a:spcBef>
-              <a:spcAft>
-                <a:spcPts val="0"/>
-              </a:spcAft>
-              <a:buClr>
-                <a:srgbClr val="3F3F3F"/>
-              </a:buClr>
-              <a:buSzPts val="100"/>
-              <a:buNone/>
-            </a:pPr>
-            <a:r>
-              <a:rPr lang="en-GB"/>
-              <a:t> </a:t>
-            </a:r>
-            <a:endParaRPr lang="en-GB"/>
-          </a:p>
-        </p:txBody>
-      </p:sp>
-      <p:sp>
-        <p:nvSpPr>
-          <p:cNvPr id="129" name="Google Shape;129;p23"/>
-          <p:cNvSpPr/>
-          <p:nvPr>
-            <p:ph type="body" idx="2"/>
-          </p:nvPr>
-        </p:nvSpPr>
-        <p:spPr>
-          <a:xfrm>
-            <a:off x="-141903" y="-8070"/>
-            <a:ext cx="2098200" cy="317700"/>
-          </a:xfrm>
-          <a:prstGeom prst="parallelogram">
-            <a:avLst>
-              <a:gd name="adj" fmla="val 37388"/>
-            </a:avLst>
-          </a:prstGeom>
-          <a:solidFill>
-            <a:srgbClr val="F2F2F2"/>
-          </a:solidFill>
-          <a:ln>
-            <a:noFill/>
-          </a:ln>
-        </p:spPr>
-        <p:txBody>
-          <a:bodyPr spcFirstLastPara="1" wrap="square" lIns="91425" tIns="45700" rIns="91425" bIns="45700" anchor="t" anchorCtr="0">
-            <a:noAutofit/>
-          </a:bodyPr>
-          <a:lstStyle/>
-          <a:p>
-            <a:pPr marL="0" lvl="0" indent="0" algn="l" rtl="0">
-              <a:lnSpc>
-                <a:spcPct val="90000"/>
-              </a:lnSpc>
-              <a:spcBef>
-                <a:spcPts val="0"/>
-              </a:spcBef>
-              <a:spcAft>
-                <a:spcPts val="0"/>
-              </a:spcAft>
-              <a:buClr>
-                <a:srgbClr val="3F3F3F"/>
-              </a:buClr>
-              <a:buSzPts val="100"/>
-              <a:buNone/>
-            </a:pPr>
-            <a:r>
-              <a:rPr lang="en-GB"/>
-              <a:t> </a:t>
-            </a:r>
-            <a:endParaRPr lang="en-GB"/>
-          </a:p>
-        </p:txBody>
-      </p:sp>
-      <p:sp>
-        <p:nvSpPr>
-          <p:cNvPr id="130" name="Google Shape;130;p23"/>
-          <p:cNvSpPr txBox="1"/>
-          <p:nvPr>
-            <p:ph type="body" idx="3"/>
-          </p:nvPr>
-        </p:nvSpPr>
-        <p:spPr>
-          <a:xfrm>
-            <a:off x="306807" y="60518"/>
-            <a:ext cx="1520100" cy="217800"/>
-          </a:xfrm>
-          <a:prstGeom prst="rect">
-            <a:avLst/>
-          </a:prstGeom>
-          <a:noFill/>
-          <a:ln>
-            <a:noFill/>
-          </a:ln>
-        </p:spPr>
-        <p:txBody>
-          <a:bodyPr spcFirstLastPara="1" wrap="square" lIns="91425" tIns="45700" rIns="91425" bIns="45700" anchor="t" anchorCtr="0">
-            <a:noAutofit/>
-          </a:bodyPr>
-          <a:lstStyle/>
-          <a:p>
-            <a:pPr marL="0" lvl="0" indent="0" algn="l" rtl="0">
-              <a:lnSpc>
-                <a:spcPct val="90000"/>
-              </a:lnSpc>
-              <a:spcBef>
-                <a:spcPts val="0"/>
-              </a:spcBef>
-              <a:spcAft>
-                <a:spcPts val="0"/>
-              </a:spcAft>
-              <a:buClr>
-                <a:schemeClr val="dk1"/>
-              </a:buClr>
-              <a:buSzPts val="900"/>
-              <a:buNone/>
-            </a:pPr>
-            <a:r>
-              <a:rPr lang="en-GB">
-                <a:latin typeface="Source Sans Pro" panose="020B0503030403020204"/>
-                <a:ea typeface="Source Sans Pro" panose="020B0503030403020204"/>
-                <a:cs typeface="Source Sans Pro" panose="020B0503030403020204"/>
-                <a:sym typeface="Source Sans Pro" panose="020B0503030403020204"/>
-              </a:rPr>
-              <a:t>Ameena Hamid</a:t>
-            </a:r>
-            <a:endParaRPr lang="en-GB">
-              <a:latin typeface="Source Sans Pro" panose="020B0503030403020204"/>
-              <a:ea typeface="Source Sans Pro" panose="020B0503030403020204"/>
-              <a:cs typeface="Source Sans Pro" panose="020B0503030403020204"/>
-              <a:sym typeface="Source Sans Pro" panose="020B0503030403020204"/>
-            </a:endParaRPr>
-          </a:p>
-        </p:txBody>
-      </p:sp>
-      <p:sp>
-        <p:nvSpPr>
-          <p:cNvPr id="131" name="Google Shape;131;p23"/>
-          <p:cNvSpPr txBox="1"/>
-          <p:nvPr>
-            <p:ph type="title"/>
-          </p:nvPr>
-        </p:nvSpPr>
-        <p:spPr>
-          <a:xfrm>
-            <a:off x="306807" y="400510"/>
-            <a:ext cx="6348900" cy="304800"/>
-          </a:xfrm>
-          <a:prstGeom prst="rect">
-            <a:avLst/>
-          </a:prstGeom>
-          <a:noFill/>
-          <a:ln>
-            <a:noFill/>
-          </a:ln>
-        </p:spPr>
-        <p:txBody>
-          <a:bodyPr spcFirstLastPara="1" wrap="square" lIns="91425" tIns="45700" rIns="91425" bIns="45700" anchor="ctr" anchorCtr="0">
-            <a:noAutofit/>
-          </a:bodyPr>
-          <a:lstStyle/>
-          <a:p>
-            <a:pPr marL="0" lvl="0" indent="0" algn="l" rtl="0">
-              <a:lnSpc>
-                <a:spcPct val="90000"/>
-              </a:lnSpc>
-              <a:spcBef>
-                <a:spcPts val="0"/>
-              </a:spcBef>
-              <a:spcAft>
-                <a:spcPts val="0"/>
-              </a:spcAft>
-              <a:buClr>
-                <a:schemeClr val="dk1"/>
-              </a:buClr>
-              <a:buSzPts val="1100"/>
-              <a:buFont typeface="Arial" panose="020B0604020202020204"/>
-              <a:buNone/>
-            </a:pPr>
-            <a:r>
-              <a:rPr lang="en-GB"/>
-              <a:t>Introduction</a:t>
-            </a:r>
-            <a:endParaRPr lang="en-GB"/>
-          </a:p>
-        </p:txBody>
-      </p:sp>
-      <p:sp>
-        <p:nvSpPr>
-          <p:cNvPr id="132" name="Google Shape;132;p23"/>
-          <p:cNvSpPr txBox="1"/>
-          <p:nvPr/>
-        </p:nvSpPr>
-        <p:spPr>
-          <a:xfrm>
-            <a:off x="306800" y="989850"/>
-            <a:ext cx="6678900" cy="3163800"/>
-          </a:xfrm>
-          <a:prstGeom prst="rect">
-            <a:avLst/>
-          </a:prstGeom>
-          <a:noFill/>
-          <a:ln>
-            <a:noFill/>
-          </a:ln>
-        </p:spPr>
-        <p:txBody>
-          <a:bodyPr spcFirstLastPara="1" wrap="square" lIns="91425" tIns="91425" rIns="91425" bIns="91425" anchor="t" anchorCtr="0">
-            <a:noAutofit/>
-          </a:bodyPr>
-          <a:lstStyle/>
-          <a:p>
-            <a:pPr marL="0" lvl="0" indent="0" algn="l" rtl="0">
-              <a:spcBef>
-                <a:spcPts val="0"/>
-              </a:spcBef>
-              <a:spcAft>
-                <a:spcPts val="0"/>
-              </a:spcAft>
-              <a:buNone/>
-            </a:pPr>
-            <a:r>
-              <a:rPr lang="en-GB" sz="1600">
-                <a:solidFill>
-                  <a:srgbClr val="595959"/>
-                </a:solidFill>
-                <a:latin typeface="Source Sans Pro" panose="020B0503030403020204"/>
-                <a:ea typeface="Source Sans Pro" panose="020B0503030403020204"/>
-                <a:cs typeface="Source Sans Pro" panose="020B0503030403020204"/>
-                <a:sym typeface="Source Sans Pro" panose="020B0503030403020204"/>
-              </a:rPr>
-              <a:t>I enrolled on the Skills Bootcamp for Data Analytics as I had an interest in Data Analysis, arising from my background as an analytical scientist. As my knowlege was only </a:t>
-            </a:r>
-            <a:r>
-              <a:rPr lang="en-GB" sz="1600">
-                <a:solidFill>
-                  <a:srgbClr val="595959"/>
-                </a:solidFill>
-                <a:latin typeface="Source Sans Pro" panose="020B0503030403020204"/>
-                <a:ea typeface="Source Sans Pro" panose="020B0503030403020204"/>
-                <a:cs typeface="Source Sans Pro" panose="020B0503030403020204"/>
-                <a:sym typeface="Source Sans Pro" panose="020B0503030403020204"/>
-              </a:rPr>
-              <a:t>to a basic level of Microsoft Excel, I was keen to learn advanced skills in programmingn such as Python. My final goal after completion of this course is to pursue a career in Data Analysis. </a:t>
-            </a:r>
-            <a:endParaRPr lang="en-GB" sz="1600">
-              <a:solidFill>
-                <a:srgbClr val="595959"/>
-              </a:solidFill>
-              <a:latin typeface="Source Sans Pro" panose="020B0503030403020204"/>
-              <a:ea typeface="Source Sans Pro" panose="020B0503030403020204"/>
-              <a:cs typeface="Source Sans Pro" panose="020B0503030403020204"/>
-              <a:sym typeface="Source Sans Pro" panose="020B0503030403020204"/>
-            </a:endParaRPr>
-          </a:p>
-          <a:p>
-            <a:pPr marL="0" lvl="0" indent="0" algn="l" rtl="0">
-              <a:spcBef>
-                <a:spcPts val="0"/>
-              </a:spcBef>
-              <a:spcAft>
-                <a:spcPts val="0"/>
-              </a:spcAft>
-              <a:buNone/>
-            </a:pPr>
-            <a:endParaRPr lang="en-GB" sz="1500">
-              <a:solidFill>
-                <a:srgbClr val="595959"/>
-              </a:solidFill>
-              <a:latin typeface="Source Sans Pro" panose="020B0503030403020204"/>
-              <a:ea typeface="Source Sans Pro" panose="020B0503030403020204"/>
-              <a:cs typeface="Source Sans Pro" panose="020B0503030403020204"/>
-              <a:sym typeface="Source Sans Pro" panose="020B0503030403020204"/>
-            </a:endParaRPr>
-          </a:p>
-          <a:p>
-            <a:pPr marL="0" lvl="0" indent="0" algn="l" rtl="0">
-              <a:spcBef>
-                <a:spcPts val="0"/>
-              </a:spcBef>
-              <a:spcAft>
-                <a:spcPts val="0"/>
-              </a:spcAft>
-              <a:buNone/>
-            </a:pPr>
-            <a:endParaRPr lang="en-GB" sz="1500">
-              <a:solidFill>
-                <a:srgbClr val="595959"/>
-              </a:solidFill>
-              <a:latin typeface="Source Sans Pro" panose="020B0503030403020204"/>
-              <a:ea typeface="Source Sans Pro" panose="020B0503030403020204"/>
-              <a:cs typeface="Source Sans Pro" panose="020B0503030403020204"/>
-              <a:sym typeface="Source Sans Pro" panose="020B0503030403020204"/>
-            </a:endParaRPr>
-          </a:p>
-          <a:p>
-            <a:pPr marL="0" lvl="0" indent="0" algn="l" rtl="0">
-              <a:spcBef>
-                <a:spcPts val="0"/>
-              </a:spcBef>
-              <a:spcAft>
-                <a:spcPts val="0"/>
-              </a:spcAft>
-              <a:buNone/>
-            </a:pPr>
-            <a:endParaRPr lang="en-GB" sz="1500">
-              <a:solidFill>
-                <a:srgbClr val="595959"/>
-              </a:solidFill>
-              <a:latin typeface="Source Sans Pro" panose="020B0503030403020204"/>
-              <a:ea typeface="Source Sans Pro" panose="020B0503030403020204"/>
-              <a:cs typeface="Source Sans Pro" panose="020B0503030403020204"/>
-              <a:sym typeface="Source Sans Pro" panose="020B0503030403020204"/>
-            </a:endParaRPr>
-          </a:p>
-        </p:txBody>
-      </p:sp>
-    </p:spTree>
-  </p:cSld>
-  <p:clrMapOvr>
-    <a:masterClrMapping/>
-  </p:clrMapOvr>
-  <mc:AlternateContent xmlns:mc="http://schemas.openxmlformats.org/markup-compatibility/2006">
-    <mc:Choice xmlns:p14="http://schemas.microsoft.com/office/powerpoint/2010/main" Requires="p14">
-      <p:transition spd="slow" p14:dur="1000"/>
-    </mc:Choice>
-    <mc:Fallback>
-      <p:transition spd="slow"/>
-    </mc:Fallback>
-  </mc:AlternateContent>
-  <p:timing>
-    <p:tnLst>
-      <p:par>
-        <p:cTn id="1" dur="indefinite" restart="never" nodeType="tmRoot"/>
-      </p:par>
-    </p:tnLst>
-  </p:timing>
-</p:sld>
-</file>
-
-<file path=ppt/slides/slide3.xml><?xml version="1.0" encoding="utf-8"?>
 <p:sld xmlns:a="http://schemas.openxmlformats.org/drawingml/2006/main" xmlns:r="http://schemas.openxmlformats.org/officeDocument/2006/relationships" xmlns:p="http://schemas.openxmlformats.org/presentationml/2006/main">
   <p:cSld>
     <p:spTree>
@@ -20149,6 +19250,523 @@
               <a:spcAft>
                 <a:spcPts val="0"/>
               </a:spcAft>
+              <a:buNone/>
+            </a:pPr>
+            <a:endParaRPr lang="en-GB" sz="1600">
+              <a:solidFill>
+                <a:srgbClr val="595959"/>
+              </a:solidFill>
+              <a:latin typeface="Source Sans Pro" panose="020B0503030403020204"/>
+              <a:ea typeface="Source Sans Pro" panose="020B0503030403020204"/>
+              <a:cs typeface="Source Sans Pro" panose="020B0503030403020204"/>
+              <a:sym typeface="Source Sans Pro" panose="020B0503030403020204"/>
+            </a:endParaRPr>
+          </a:p>
+        </p:txBody>
+      </p:sp>
+    </p:spTree>
+  </p:cSld>
+  <p:clrMapOvr>
+    <a:masterClrMapping/>
+  </p:clrMapOvr>
+</p:sld>
+</file>
+
+<file path=ppt/slides/slide3.xml><?xml version="1.0" encoding="utf-8"?>
+<p:sld xmlns:a="http://schemas.openxmlformats.org/drawingml/2006/main" xmlns:r="http://schemas.openxmlformats.org/officeDocument/2006/relationships" xmlns:p="http://schemas.openxmlformats.org/presentationml/2006/main">
+  <p:cSld>
+    <p:spTree>
+      <p:nvGrpSpPr>
+        <p:cNvPr id="154" name="Shape 154"/>
+        <p:cNvGrpSpPr/>
+        <p:nvPr/>
+      </p:nvGrpSpPr>
+      <p:grpSpPr>
+        <a:xfrm>
+          <a:off x="0" y="0"/>
+          <a:ext cx="0" cy="0"/>
+          <a:chOff x="0" y="0"/>
+          <a:chExt cx="0" cy="0"/>
+        </a:xfrm>
+      </p:grpSpPr>
+      <p:sp>
+        <p:nvSpPr>
+          <p:cNvPr id="155" name="Google Shape;155;p26"/>
+          <p:cNvSpPr/>
+          <p:nvPr>
+            <p:ph type="body" idx="1"/>
+          </p:nvPr>
+        </p:nvSpPr>
+        <p:spPr>
+          <a:xfrm>
+            <a:off x="-332295" y="305760"/>
+            <a:ext cx="7317900" cy="494400"/>
+          </a:xfrm>
+          <a:prstGeom prst="parallelogram">
+            <a:avLst>
+              <a:gd name="adj" fmla="val 37388"/>
+            </a:avLst>
+          </a:prstGeom>
+          <a:solidFill>
+            <a:schemeClr val="dk2"/>
+          </a:solidFill>
+          <a:ln>
+            <a:noFill/>
+          </a:ln>
+        </p:spPr>
+        <p:txBody>
+          <a:bodyPr spcFirstLastPara="1" wrap="square" lIns="91425" tIns="45700" rIns="91425" bIns="45700" anchor="t" anchorCtr="0">
+            <a:noAutofit/>
+          </a:bodyPr>
+          <a:lstStyle/>
+          <a:p>
+            <a:pPr marL="0" lvl="0" indent="0" algn="l" rtl="0">
+              <a:lnSpc>
+                <a:spcPct val="90000"/>
+              </a:lnSpc>
+              <a:spcBef>
+                <a:spcPts val="0"/>
+              </a:spcBef>
+              <a:spcAft>
+                <a:spcPts val="0"/>
+              </a:spcAft>
+              <a:buClr>
+                <a:srgbClr val="3F3F3F"/>
+              </a:buClr>
+              <a:buSzPts val="100"/>
+              <a:buNone/>
+            </a:pPr>
+            <a:r>
+              <a:rPr lang="en-GB"/>
+              <a:t> </a:t>
+            </a:r>
+            <a:endParaRPr lang="en-GB"/>
+          </a:p>
+        </p:txBody>
+      </p:sp>
+      <p:sp>
+        <p:nvSpPr>
+          <p:cNvPr id="156" name="Google Shape;156;p26"/>
+          <p:cNvSpPr/>
+          <p:nvPr>
+            <p:ph type="body" idx="2"/>
+          </p:nvPr>
+        </p:nvSpPr>
+        <p:spPr>
+          <a:xfrm>
+            <a:off x="-141903" y="-8070"/>
+            <a:ext cx="2098200" cy="317700"/>
+          </a:xfrm>
+          <a:prstGeom prst="parallelogram">
+            <a:avLst>
+              <a:gd name="adj" fmla="val 37388"/>
+            </a:avLst>
+          </a:prstGeom>
+          <a:solidFill>
+            <a:srgbClr val="F2F2F2"/>
+          </a:solidFill>
+          <a:ln>
+            <a:noFill/>
+          </a:ln>
+        </p:spPr>
+        <p:txBody>
+          <a:bodyPr spcFirstLastPara="1" wrap="square" lIns="91425" tIns="45700" rIns="91425" bIns="45700" anchor="t" anchorCtr="0">
+            <a:noAutofit/>
+          </a:bodyPr>
+          <a:lstStyle/>
+          <a:p>
+            <a:pPr marL="0" lvl="0" indent="0" algn="l" rtl="0">
+              <a:lnSpc>
+                <a:spcPct val="90000"/>
+              </a:lnSpc>
+              <a:spcBef>
+                <a:spcPts val="0"/>
+              </a:spcBef>
+              <a:spcAft>
+                <a:spcPts val="0"/>
+              </a:spcAft>
+              <a:buClr>
+                <a:srgbClr val="3F3F3F"/>
+              </a:buClr>
+              <a:buSzPts val="100"/>
+              <a:buNone/>
+            </a:pPr>
+            <a:r>
+              <a:rPr lang="en-GB"/>
+              <a:t> </a:t>
+            </a:r>
+            <a:endParaRPr lang="en-GB"/>
+          </a:p>
+        </p:txBody>
+      </p:sp>
+      <p:sp>
+        <p:nvSpPr>
+          <p:cNvPr id="157" name="Google Shape;157;p26"/>
+          <p:cNvSpPr txBox="1"/>
+          <p:nvPr>
+            <p:ph type="body" idx="3"/>
+          </p:nvPr>
+        </p:nvSpPr>
+        <p:spPr>
+          <a:xfrm>
+            <a:off x="306807" y="60518"/>
+            <a:ext cx="1520100" cy="217800"/>
+          </a:xfrm>
+          <a:prstGeom prst="rect">
+            <a:avLst/>
+          </a:prstGeom>
+          <a:noFill/>
+          <a:ln>
+            <a:noFill/>
+          </a:ln>
+        </p:spPr>
+        <p:txBody>
+          <a:bodyPr spcFirstLastPara="1" wrap="square" lIns="91425" tIns="45700" rIns="91425" bIns="45700" anchor="t" anchorCtr="0">
+            <a:noAutofit/>
+          </a:bodyPr>
+          <a:lstStyle/>
+          <a:p>
+            <a:pPr marL="0" lvl="0" indent="0" algn="l" rtl="0">
+              <a:lnSpc>
+                <a:spcPct val="90000"/>
+              </a:lnSpc>
+              <a:spcBef>
+                <a:spcPts val="0"/>
+              </a:spcBef>
+              <a:spcAft>
+                <a:spcPts val="0"/>
+              </a:spcAft>
+              <a:buClr>
+                <a:schemeClr val="dk1"/>
+              </a:buClr>
+              <a:buSzPts val="900"/>
+              <a:buNone/>
+            </a:pPr>
+            <a:r>
+              <a:rPr lang="en-GB">
+                <a:latin typeface="Source Sans Pro" panose="020B0503030403020204"/>
+                <a:ea typeface="Source Sans Pro" panose="020B0503030403020204"/>
+                <a:cs typeface="Source Sans Pro" panose="020B0503030403020204"/>
+                <a:sym typeface="Source Sans Pro" panose="020B0503030403020204"/>
+              </a:rPr>
+              <a:t>Ameena Hamid </a:t>
+            </a:r>
+            <a:endParaRPr lang="en-GB">
+              <a:latin typeface="Source Sans Pro" panose="020B0503030403020204"/>
+              <a:ea typeface="Source Sans Pro" panose="020B0503030403020204"/>
+              <a:cs typeface="Source Sans Pro" panose="020B0503030403020204"/>
+              <a:sym typeface="Source Sans Pro" panose="020B0503030403020204"/>
+            </a:endParaRPr>
+          </a:p>
+        </p:txBody>
+      </p:sp>
+      <p:sp>
+        <p:nvSpPr>
+          <p:cNvPr id="158" name="Google Shape;158;p26"/>
+          <p:cNvSpPr txBox="1"/>
+          <p:nvPr>
+            <p:ph type="title"/>
+          </p:nvPr>
+        </p:nvSpPr>
+        <p:spPr>
+          <a:xfrm>
+            <a:off x="306807" y="400510"/>
+            <a:ext cx="6348900" cy="304800"/>
+          </a:xfrm>
+          <a:prstGeom prst="rect">
+            <a:avLst/>
+          </a:prstGeom>
+          <a:noFill/>
+          <a:ln>
+            <a:noFill/>
+          </a:ln>
+        </p:spPr>
+        <p:txBody>
+          <a:bodyPr spcFirstLastPara="1" wrap="square" lIns="91425" tIns="45700" rIns="91425" bIns="45700" anchor="ctr" anchorCtr="0">
+            <a:noAutofit/>
+          </a:bodyPr>
+          <a:lstStyle/>
+          <a:p>
+            <a:pPr marL="0" lvl="0" indent="0" algn="l" rtl="0">
+              <a:lnSpc>
+                <a:spcPct val="90000"/>
+              </a:lnSpc>
+              <a:spcBef>
+                <a:spcPts val="0"/>
+              </a:spcBef>
+              <a:spcAft>
+                <a:spcPts val="0"/>
+              </a:spcAft>
+              <a:buClr>
+                <a:schemeClr val="dk1"/>
+              </a:buClr>
+              <a:buSzPts val="1100"/>
+              <a:buFont typeface="Arial" panose="020B0604020202020204"/>
+              <a:buNone/>
+            </a:pPr>
+            <a:r>
+              <a:rPr lang="en-GB">
+                <a:sym typeface="+mn-ea"/>
+              </a:rPr>
+              <a:t>Early Stage Diabetes Risk Prediction Dataset </a:t>
+            </a:r>
+            <a:r>
+              <a:rPr lang="en-GB"/>
+              <a:t> - What does the data look like?</a:t>
+            </a:r>
+            <a:endParaRPr lang="en-GB"/>
+          </a:p>
+        </p:txBody>
+      </p:sp>
+      <p:sp>
+        <p:nvSpPr>
+          <p:cNvPr id="159" name="Google Shape;159;p26"/>
+          <p:cNvSpPr txBox="1"/>
+          <p:nvPr/>
+        </p:nvSpPr>
+        <p:spPr>
+          <a:xfrm>
+            <a:off x="249125" y="989850"/>
+            <a:ext cx="6678900" cy="3163800"/>
+          </a:xfrm>
+          <a:prstGeom prst="rect">
+            <a:avLst/>
+          </a:prstGeom>
+          <a:noFill/>
+          <a:ln>
+            <a:noFill/>
+          </a:ln>
+        </p:spPr>
+        <p:txBody>
+          <a:bodyPr spcFirstLastPara="1" wrap="square" lIns="91425" tIns="91425" rIns="91425" bIns="91425" anchor="t" anchorCtr="0">
+            <a:noAutofit/>
+          </a:bodyPr>
+          <a:lstStyle/>
+          <a:p>
+            <a:pPr marL="285750" lvl="0" indent="-285750" algn="l" rtl="0">
+              <a:spcBef>
+                <a:spcPts val="0"/>
+              </a:spcBef>
+              <a:spcAft>
+                <a:spcPts val="0"/>
+              </a:spcAft>
+              <a:buFont typeface="Wingdings" panose="05000000000000000000" charset="0"/>
+              <a:buChar char="v"/>
+            </a:pPr>
+            <a:r>
+              <a:rPr lang="en-GB" sz="1600">
+                <a:solidFill>
+                  <a:srgbClr val="595959"/>
+                </a:solidFill>
+                <a:latin typeface="Source Sans Pro" panose="020B0503030403020204"/>
+                <a:ea typeface="Source Sans Pro" panose="020B0503030403020204"/>
+                <a:cs typeface="Source Sans Pro" panose="020B0503030403020204"/>
+                <a:sym typeface="Source Sans Pro" panose="020B0503030403020204"/>
+              </a:rPr>
+              <a:t>Data for 520 individuals of a varied age range</a:t>
+            </a:r>
+            <a:endParaRPr lang="en-GB" sz="1600">
+              <a:solidFill>
+                <a:srgbClr val="595959"/>
+              </a:solidFill>
+              <a:latin typeface="Source Sans Pro" panose="020B0503030403020204"/>
+              <a:ea typeface="Source Sans Pro" panose="020B0503030403020204"/>
+              <a:cs typeface="Source Sans Pro" panose="020B0503030403020204"/>
+              <a:sym typeface="Source Sans Pro" panose="020B0503030403020204"/>
+            </a:endParaRPr>
+          </a:p>
+          <a:p>
+            <a:pPr marL="285750" lvl="0" indent="-285750" algn="l" rtl="0">
+              <a:spcBef>
+                <a:spcPts val="0"/>
+              </a:spcBef>
+              <a:spcAft>
+                <a:spcPts val="0"/>
+              </a:spcAft>
+              <a:buFont typeface="Wingdings" panose="05000000000000000000" charset="0"/>
+              <a:buChar char="v"/>
+            </a:pPr>
+            <a:endParaRPr lang="en-GB" sz="1600">
+              <a:solidFill>
+                <a:srgbClr val="595959"/>
+              </a:solidFill>
+              <a:latin typeface="Source Sans Pro" panose="020B0503030403020204"/>
+              <a:ea typeface="Source Sans Pro" panose="020B0503030403020204"/>
+              <a:cs typeface="Source Sans Pro" panose="020B0503030403020204"/>
+              <a:sym typeface="Source Sans Pro" panose="020B0503030403020204"/>
+            </a:endParaRPr>
+          </a:p>
+          <a:p>
+            <a:pPr marL="285750" lvl="0" indent="-285750" algn="l" rtl="0">
+              <a:spcBef>
+                <a:spcPts val="0"/>
+              </a:spcBef>
+              <a:spcAft>
+                <a:spcPts val="0"/>
+              </a:spcAft>
+              <a:buFont typeface="Wingdings" panose="05000000000000000000" charset="0"/>
+              <a:buChar char="v"/>
+            </a:pPr>
+            <a:r>
+              <a:rPr lang="en-GB" sz="1600">
+                <a:solidFill>
+                  <a:srgbClr val="595959"/>
+                </a:solidFill>
+                <a:latin typeface="Source Sans Pro" panose="020B0503030403020204"/>
+                <a:ea typeface="Source Sans Pro" panose="020B0503030403020204"/>
+                <a:cs typeface="Source Sans Pro" panose="020B0503030403020204"/>
+                <a:sym typeface="Source Sans Pro" panose="020B0503030403020204"/>
+              </a:rPr>
+              <a:t>14 different symptoms of a possible diabetes patient </a:t>
+            </a:r>
+            <a:endParaRPr lang="en-GB" sz="1600">
+              <a:solidFill>
+                <a:srgbClr val="595959"/>
+              </a:solidFill>
+              <a:latin typeface="Source Sans Pro" panose="020B0503030403020204"/>
+              <a:ea typeface="Source Sans Pro" panose="020B0503030403020204"/>
+              <a:cs typeface="Source Sans Pro" panose="020B0503030403020204"/>
+              <a:sym typeface="Source Sans Pro" panose="020B0503030403020204"/>
+            </a:endParaRPr>
+          </a:p>
+          <a:p>
+            <a:pPr marL="285750" lvl="0" indent="-285750" algn="l" rtl="0">
+              <a:spcBef>
+                <a:spcPts val="0"/>
+              </a:spcBef>
+              <a:spcAft>
+                <a:spcPts val="0"/>
+              </a:spcAft>
+              <a:buFont typeface="Wingdings" panose="05000000000000000000" charset="0"/>
+              <a:buChar char="v"/>
+            </a:pPr>
+            <a:endParaRPr lang="en-GB" sz="1600">
+              <a:solidFill>
+                <a:srgbClr val="595959"/>
+              </a:solidFill>
+              <a:latin typeface="Source Sans Pro" panose="020B0503030403020204"/>
+              <a:ea typeface="Source Sans Pro" panose="020B0503030403020204"/>
+              <a:cs typeface="Source Sans Pro" panose="020B0503030403020204"/>
+              <a:sym typeface="Source Sans Pro" panose="020B0503030403020204"/>
+            </a:endParaRPr>
+          </a:p>
+          <a:p>
+            <a:pPr marL="285750" lvl="0" indent="-285750" algn="l" rtl="0">
+              <a:spcBef>
+                <a:spcPts val="0"/>
+              </a:spcBef>
+              <a:spcAft>
+                <a:spcPts val="0"/>
+              </a:spcAft>
+              <a:buFont typeface="Wingdings" panose="05000000000000000000" charset="0"/>
+              <a:buChar char="v"/>
+            </a:pPr>
+            <a:r>
+              <a:rPr lang="en-GB" sz="1600">
+                <a:solidFill>
+                  <a:srgbClr val="595959"/>
+                </a:solidFill>
+                <a:latin typeface="Source Sans Pro" panose="020B0503030403020204"/>
+                <a:ea typeface="Source Sans Pro" panose="020B0503030403020204"/>
+                <a:cs typeface="Source Sans Pro" panose="020B0503030403020204"/>
+                <a:sym typeface="Source Sans Pro" panose="020B0503030403020204"/>
+              </a:rPr>
+              <a:t>Data shows which symptom is present/not present for each individual </a:t>
+            </a:r>
+            <a:endParaRPr lang="en-GB" sz="1600">
+              <a:solidFill>
+                <a:srgbClr val="595959"/>
+              </a:solidFill>
+              <a:latin typeface="Source Sans Pro" panose="020B0503030403020204"/>
+              <a:ea typeface="Source Sans Pro" panose="020B0503030403020204"/>
+              <a:cs typeface="Source Sans Pro" panose="020B0503030403020204"/>
+              <a:sym typeface="Source Sans Pro" panose="020B0503030403020204"/>
+            </a:endParaRPr>
+          </a:p>
+          <a:p>
+            <a:pPr marL="285750" lvl="0" indent="-285750" algn="l" rtl="0">
+              <a:spcBef>
+                <a:spcPts val="0"/>
+              </a:spcBef>
+              <a:spcAft>
+                <a:spcPts val="0"/>
+              </a:spcAft>
+              <a:buFont typeface="Wingdings" panose="05000000000000000000" charset="0"/>
+              <a:buChar char="v"/>
+            </a:pPr>
+            <a:endParaRPr lang="en-GB" sz="1600">
+              <a:solidFill>
+                <a:srgbClr val="595959"/>
+              </a:solidFill>
+              <a:latin typeface="Source Sans Pro" panose="020B0503030403020204"/>
+              <a:ea typeface="Source Sans Pro" panose="020B0503030403020204"/>
+              <a:cs typeface="Source Sans Pro" panose="020B0503030403020204"/>
+              <a:sym typeface="Source Sans Pro" panose="020B0503030403020204"/>
+            </a:endParaRPr>
+          </a:p>
+          <a:p>
+            <a:pPr marL="285750" lvl="0" indent="-285750" algn="l" rtl="0">
+              <a:spcBef>
+                <a:spcPts val="0"/>
+              </a:spcBef>
+              <a:spcAft>
+                <a:spcPts val="0"/>
+              </a:spcAft>
+              <a:buFont typeface="Wingdings" panose="05000000000000000000" charset="0"/>
+              <a:buChar char="v"/>
+            </a:pPr>
+            <a:r>
+              <a:rPr lang="en-GB" sz="1600">
+                <a:solidFill>
+                  <a:srgbClr val="595959"/>
+                </a:solidFill>
+                <a:latin typeface="Source Sans Pro" panose="020B0503030403020204"/>
+                <a:ea typeface="Source Sans Pro" panose="020B0503030403020204"/>
+                <a:cs typeface="Source Sans Pro" panose="020B0503030403020204"/>
+                <a:sym typeface="Source Sans Pro" panose="020B0503030403020204"/>
+              </a:rPr>
+              <a:t>Class confirms if an individual is positive or negative for Diabetes</a:t>
+            </a:r>
+            <a:endParaRPr lang="en-GB" sz="1600">
+              <a:solidFill>
+                <a:srgbClr val="595959"/>
+              </a:solidFill>
+              <a:latin typeface="Source Sans Pro" panose="020B0503030403020204"/>
+              <a:ea typeface="Source Sans Pro" panose="020B0503030403020204"/>
+              <a:cs typeface="Source Sans Pro" panose="020B0503030403020204"/>
+              <a:sym typeface="Source Sans Pro" panose="020B0503030403020204"/>
+            </a:endParaRPr>
+          </a:p>
+          <a:p>
+            <a:pPr marL="285750" lvl="0" indent="-285750" algn="l" rtl="0">
+              <a:spcBef>
+                <a:spcPts val="0"/>
+              </a:spcBef>
+              <a:spcAft>
+                <a:spcPts val="0"/>
+              </a:spcAft>
+              <a:buFont typeface="Wingdings" panose="05000000000000000000" charset="0"/>
+              <a:buChar char="v"/>
+            </a:pPr>
+            <a:endParaRPr lang="en-GB" sz="1600">
+              <a:solidFill>
+                <a:srgbClr val="595959"/>
+              </a:solidFill>
+              <a:latin typeface="Source Sans Pro" panose="020B0503030403020204"/>
+              <a:ea typeface="Source Sans Pro" panose="020B0503030403020204"/>
+              <a:cs typeface="Source Sans Pro" panose="020B0503030403020204"/>
+              <a:sym typeface="Source Sans Pro" panose="020B0503030403020204"/>
+            </a:endParaRPr>
+          </a:p>
+          <a:p>
+            <a:pPr marL="0" lvl="0" indent="0" algn="l" rtl="0">
+              <a:spcBef>
+                <a:spcPts val="0"/>
+              </a:spcBef>
+              <a:spcAft>
+                <a:spcPts val="0"/>
+              </a:spcAft>
+              <a:buFont typeface="Wingdings" panose="05000000000000000000" charset="0"/>
               <a:buNone/>
             </a:pPr>
             <a:endParaRPr lang="en-GB" sz="1600">
@@ -20411,523 +20029,6 @@
             </a:r>
             <a:r>
               <a:rPr lang="en-GB"/>
-              <a:t> - What does the data look like?</a:t>
-            </a:r>
-            <a:endParaRPr lang="en-GB"/>
-          </a:p>
-        </p:txBody>
-      </p:sp>
-      <p:sp>
-        <p:nvSpPr>
-          <p:cNvPr id="159" name="Google Shape;159;p26"/>
-          <p:cNvSpPr txBox="1"/>
-          <p:nvPr/>
-        </p:nvSpPr>
-        <p:spPr>
-          <a:xfrm>
-            <a:off x="249125" y="989850"/>
-            <a:ext cx="6678900" cy="3163800"/>
-          </a:xfrm>
-          <a:prstGeom prst="rect">
-            <a:avLst/>
-          </a:prstGeom>
-          <a:noFill/>
-          <a:ln>
-            <a:noFill/>
-          </a:ln>
-        </p:spPr>
-        <p:txBody>
-          <a:bodyPr spcFirstLastPara="1" wrap="square" lIns="91425" tIns="91425" rIns="91425" bIns="91425" anchor="t" anchorCtr="0">
-            <a:noAutofit/>
-          </a:bodyPr>
-          <a:lstStyle/>
-          <a:p>
-            <a:pPr marL="285750" lvl="0" indent="-285750" algn="l" rtl="0">
-              <a:spcBef>
-                <a:spcPts val="0"/>
-              </a:spcBef>
-              <a:spcAft>
-                <a:spcPts val="0"/>
-              </a:spcAft>
-              <a:buFont typeface="Wingdings" panose="05000000000000000000" charset="0"/>
-              <a:buChar char="v"/>
-            </a:pPr>
-            <a:r>
-              <a:rPr lang="en-GB" sz="1600">
-                <a:solidFill>
-                  <a:srgbClr val="595959"/>
-                </a:solidFill>
-                <a:latin typeface="Source Sans Pro" panose="020B0503030403020204"/>
-                <a:ea typeface="Source Sans Pro" panose="020B0503030403020204"/>
-                <a:cs typeface="Source Sans Pro" panose="020B0503030403020204"/>
-                <a:sym typeface="Source Sans Pro" panose="020B0503030403020204"/>
-              </a:rPr>
-              <a:t>Data for 520 individuals of a varied age range</a:t>
-            </a:r>
-            <a:endParaRPr lang="en-GB" sz="1600">
-              <a:solidFill>
-                <a:srgbClr val="595959"/>
-              </a:solidFill>
-              <a:latin typeface="Source Sans Pro" panose="020B0503030403020204"/>
-              <a:ea typeface="Source Sans Pro" panose="020B0503030403020204"/>
-              <a:cs typeface="Source Sans Pro" panose="020B0503030403020204"/>
-              <a:sym typeface="Source Sans Pro" panose="020B0503030403020204"/>
-            </a:endParaRPr>
-          </a:p>
-          <a:p>
-            <a:pPr marL="285750" lvl="0" indent="-285750" algn="l" rtl="0">
-              <a:spcBef>
-                <a:spcPts val="0"/>
-              </a:spcBef>
-              <a:spcAft>
-                <a:spcPts val="0"/>
-              </a:spcAft>
-              <a:buFont typeface="Wingdings" panose="05000000000000000000" charset="0"/>
-              <a:buChar char="v"/>
-            </a:pPr>
-            <a:endParaRPr lang="en-GB" sz="1600">
-              <a:solidFill>
-                <a:srgbClr val="595959"/>
-              </a:solidFill>
-              <a:latin typeface="Source Sans Pro" panose="020B0503030403020204"/>
-              <a:ea typeface="Source Sans Pro" panose="020B0503030403020204"/>
-              <a:cs typeface="Source Sans Pro" panose="020B0503030403020204"/>
-              <a:sym typeface="Source Sans Pro" panose="020B0503030403020204"/>
-            </a:endParaRPr>
-          </a:p>
-          <a:p>
-            <a:pPr marL="285750" lvl="0" indent="-285750" algn="l" rtl="0">
-              <a:spcBef>
-                <a:spcPts val="0"/>
-              </a:spcBef>
-              <a:spcAft>
-                <a:spcPts val="0"/>
-              </a:spcAft>
-              <a:buFont typeface="Wingdings" panose="05000000000000000000" charset="0"/>
-              <a:buChar char="v"/>
-            </a:pPr>
-            <a:r>
-              <a:rPr lang="en-GB" sz="1600">
-                <a:solidFill>
-                  <a:srgbClr val="595959"/>
-                </a:solidFill>
-                <a:latin typeface="Source Sans Pro" panose="020B0503030403020204"/>
-                <a:ea typeface="Source Sans Pro" panose="020B0503030403020204"/>
-                <a:cs typeface="Source Sans Pro" panose="020B0503030403020204"/>
-                <a:sym typeface="Source Sans Pro" panose="020B0503030403020204"/>
-              </a:rPr>
-              <a:t>14 different symptoms of a possible diabetes patient </a:t>
-            </a:r>
-            <a:endParaRPr lang="en-GB" sz="1600">
-              <a:solidFill>
-                <a:srgbClr val="595959"/>
-              </a:solidFill>
-              <a:latin typeface="Source Sans Pro" panose="020B0503030403020204"/>
-              <a:ea typeface="Source Sans Pro" panose="020B0503030403020204"/>
-              <a:cs typeface="Source Sans Pro" panose="020B0503030403020204"/>
-              <a:sym typeface="Source Sans Pro" panose="020B0503030403020204"/>
-            </a:endParaRPr>
-          </a:p>
-          <a:p>
-            <a:pPr marL="285750" lvl="0" indent="-285750" algn="l" rtl="0">
-              <a:spcBef>
-                <a:spcPts val="0"/>
-              </a:spcBef>
-              <a:spcAft>
-                <a:spcPts val="0"/>
-              </a:spcAft>
-              <a:buFont typeface="Wingdings" panose="05000000000000000000" charset="0"/>
-              <a:buChar char="v"/>
-            </a:pPr>
-            <a:endParaRPr lang="en-GB" sz="1600">
-              <a:solidFill>
-                <a:srgbClr val="595959"/>
-              </a:solidFill>
-              <a:latin typeface="Source Sans Pro" panose="020B0503030403020204"/>
-              <a:ea typeface="Source Sans Pro" panose="020B0503030403020204"/>
-              <a:cs typeface="Source Sans Pro" panose="020B0503030403020204"/>
-              <a:sym typeface="Source Sans Pro" panose="020B0503030403020204"/>
-            </a:endParaRPr>
-          </a:p>
-          <a:p>
-            <a:pPr marL="285750" lvl="0" indent="-285750" algn="l" rtl="0">
-              <a:spcBef>
-                <a:spcPts val="0"/>
-              </a:spcBef>
-              <a:spcAft>
-                <a:spcPts val="0"/>
-              </a:spcAft>
-              <a:buFont typeface="Wingdings" panose="05000000000000000000" charset="0"/>
-              <a:buChar char="v"/>
-            </a:pPr>
-            <a:r>
-              <a:rPr lang="en-GB" sz="1600">
-                <a:solidFill>
-                  <a:srgbClr val="595959"/>
-                </a:solidFill>
-                <a:latin typeface="Source Sans Pro" panose="020B0503030403020204"/>
-                <a:ea typeface="Source Sans Pro" panose="020B0503030403020204"/>
-                <a:cs typeface="Source Sans Pro" panose="020B0503030403020204"/>
-                <a:sym typeface="Source Sans Pro" panose="020B0503030403020204"/>
-              </a:rPr>
-              <a:t>Data shows which symptom is present/not present for each individual </a:t>
-            </a:r>
-            <a:endParaRPr lang="en-GB" sz="1600">
-              <a:solidFill>
-                <a:srgbClr val="595959"/>
-              </a:solidFill>
-              <a:latin typeface="Source Sans Pro" panose="020B0503030403020204"/>
-              <a:ea typeface="Source Sans Pro" panose="020B0503030403020204"/>
-              <a:cs typeface="Source Sans Pro" panose="020B0503030403020204"/>
-              <a:sym typeface="Source Sans Pro" panose="020B0503030403020204"/>
-            </a:endParaRPr>
-          </a:p>
-          <a:p>
-            <a:pPr marL="285750" lvl="0" indent="-285750" algn="l" rtl="0">
-              <a:spcBef>
-                <a:spcPts val="0"/>
-              </a:spcBef>
-              <a:spcAft>
-                <a:spcPts val="0"/>
-              </a:spcAft>
-              <a:buFont typeface="Wingdings" panose="05000000000000000000" charset="0"/>
-              <a:buChar char="v"/>
-            </a:pPr>
-            <a:endParaRPr lang="en-GB" sz="1600">
-              <a:solidFill>
-                <a:srgbClr val="595959"/>
-              </a:solidFill>
-              <a:latin typeface="Source Sans Pro" panose="020B0503030403020204"/>
-              <a:ea typeface="Source Sans Pro" panose="020B0503030403020204"/>
-              <a:cs typeface="Source Sans Pro" panose="020B0503030403020204"/>
-              <a:sym typeface="Source Sans Pro" panose="020B0503030403020204"/>
-            </a:endParaRPr>
-          </a:p>
-          <a:p>
-            <a:pPr marL="285750" lvl="0" indent="-285750" algn="l" rtl="0">
-              <a:spcBef>
-                <a:spcPts val="0"/>
-              </a:spcBef>
-              <a:spcAft>
-                <a:spcPts val="0"/>
-              </a:spcAft>
-              <a:buFont typeface="Wingdings" panose="05000000000000000000" charset="0"/>
-              <a:buChar char="v"/>
-            </a:pPr>
-            <a:r>
-              <a:rPr lang="en-GB" sz="1600">
-                <a:solidFill>
-                  <a:srgbClr val="595959"/>
-                </a:solidFill>
-                <a:latin typeface="Source Sans Pro" panose="020B0503030403020204"/>
-                <a:ea typeface="Source Sans Pro" panose="020B0503030403020204"/>
-                <a:cs typeface="Source Sans Pro" panose="020B0503030403020204"/>
-                <a:sym typeface="Source Sans Pro" panose="020B0503030403020204"/>
-              </a:rPr>
-              <a:t>Class confirms if an individual is positive or negative for Diabetes</a:t>
-            </a:r>
-            <a:endParaRPr lang="en-GB" sz="1600">
-              <a:solidFill>
-                <a:srgbClr val="595959"/>
-              </a:solidFill>
-              <a:latin typeface="Source Sans Pro" panose="020B0503030403020204"/>
-              <a:ea typeface="Source Sans Pro" panose="020B0503030403020204"/>
-              <a:cs typeface="Source Sans Pro" panose="020B0503030403020204"/>
-              <a:sym typeface="Source Sans Pro" panose="020B0503030403020204"/>
-            </a:endParaRPr>
-          </a:p>
-          <a:p>
-            <a:pPr marL="285750" lvl="0" indent="-285750" algn="l" rtl="0">
-              <a:spcBef>
-                <a:spcPts val="0"/>
-              </a:spcBef>
-              <a:spcAft>
-                <a:spcPts val="0"/>
-              </a:spcAft>
-              <a:buFont typeface="Wingdings" panose="05000000000000000000" charset="0"/>
-              <a:buChar char="v"/>
-            </a:pPr>
-            <a:endParaRPr lang="en-GB" sz="1600">
-              <a:solidFill>
-                <a:srgbClr val="595959"/>
-              </a:solidFill>
-              <a:latin typeface="Source Sans Pro" panose="020B0503030403020204"/>
-              <a:ea typeface="Source Sans Pro" panose="020B0503030403020204"/>
-              <a:cs typeface="Source Sans Pro" panose="020B0503030403020204"/>
-              <a:sym typeface="Source Sans Pro" panose="020B0503030403020204"/>
-            </a:endParaRPr>
-          </a:p>
-          <a:p>
-            <a:pPr marL="0" lvl="0" indent="0" algn="l" rtl="0">
-              <a:spcBef>
-                <a:spcPts val="0"/>
-              </a:spcBef>
-              <a:spcAft>
-                <a:spcPts val="0"/>
-              </a:spcAft>
-              <a:buFont typeface="Wingdings" panose="05000000000000000000" charset="0"/>
-              <a:buNone/>
-            </a:pPr>
-            <a:endParaRPr lang="en-GB" sz="1600">
-              <a:solidFill>
-                <a:srgbClr val="595959"/>
-              </a:solidFill>
-              <a:latin typeface="Source Sans Pro" panose="020B0503030403020204"/>
-              <a:ea typeface="Source Sans Pro" panose="020B0503030403020204"/>
-              <a:cs typeface="Source Sans Pro" panose="020B0503030403020204"/>
-              <a:sym typeface="Source Sans Pro" panose="020B0503030403020204"/>
-            </a:endParaRPr>
-          </a:p>
-        </p:txBody>
-      </p:sp>
-    </p:spTree>
-  </p:cSld>
-  <p:clrMapOvr>
-    <a:masterClrMapping/>
-  </p:clrMapOvr>
-</p:sld>
-</file>
-
-<file path=ppt/slides/slide5.xml><?xml version="1.0" encoding="utf-8"?>
-<p:sld xmlns:a="http://schemas.openxmlformats.org/drawingml/2006/main" xmlns:r="http://schemas.openxmlformats.org/officeDocument/2006/relationships" xmlns:p="http://schemas.openxmlformats.org/presentationml/2006/main">
-  <p:cSld>
-    <p:spTree>
-      <p:nvGrpSpPr>
-        <p:cNvPr id="154" name="Shape 154"/>
-        <p:cNvGrpSpPr/>
-        <p:nvPr/>
-      </p:nvGrpSpPr>
-      <p:grpSpPr>
-        <a:xfrm>
-          <a:off x="0" y="0"/>
-          <a:ext cx="0" cy="0"/>
-          <a:chOff x="0" y="0"/>
-          <a:chExt cx="0" cy="0"/>
-        </a:xfrm>
-      </p:grpSpPr>
-      <p:sp>
-        <p:nvSpPr>
-          <p:cNvPr id="155" name="Google Shape;155;p26"/>
-          <p:cNvSpPr/>
-          <p:nvPr>
-            <p:ph type="body" idx="1"/>
-          </p:nvPr>
-        </p:nvSpPr>
-        <p:spPr>
-          <a:xfrm>
-            <a:off x="-332295" y="305760"/>
-            <a:ext cx="7317900" cy="494400"/>
-          </a:xfrm>
-          <a:prstGeom prst="parallelogram">
-            <a:avLst>
-              <a:gd name="adj" fmla="val 37388"/>
-            </a:avLst>
-          </a:prstGeom>
-          <a:solidFill>
-            <a:schemeClr val="dk2"/>
-          </a:solidFill>
-          <a:ln>
-            <a:noFill/>
-          </a:ln>
-        </p:spPr>
-        <p:txBody>
-          <a:bodyPr spcFirstLastPara="1" wrap="square" lIns="91425" tIns="45700" rIns="91425" bIns="45700" anchor="t" anchorCtr="0">
-            <a:noAutofit/>
-          </a:bodyPr>
-          <a:lstStyle/>
-          <a:p>
-            <a:pPr marL="0" lvl="0" indent="0" algn="l" rtl="0">
-              <a:lnSpc>
-                <a:spcPct val="90000"/>
-              </a:lnSpc>
-              <a:spcBef>
-                <a:spcPts val="0"/>
-              </a:spcBef>
-              <a:spcAft>
-                <a:spcPts val="0"/>
-              </a:spcAft>
-              <a:buClr>
-                <a:srgbClr val="3F3F3F"/>
-              </a:buClr>
-              <a:buSzPts val="100"/>
-              <a:buNone/>
-            </a:pPr>
-            <a:r>
-              <a:rPr lang="en-GB"/>
-              <a:t> </a:t>
-            </a:r>
-            <a:endParaRPr lang="en-GB"/>
-          </a:p>
-        </p:txBody>
-      </p:sp>
-      <p:sp>
-        <p:nvSpPr>
-          <p:cNvPr id="156" name="Google Shape;156;p26"/>
-          <p:cNvSpPr/>
-          <p:nvPr>
-            <p:ph type="body" idx="2"/>
-          </p:nvPr>
-        </p:nvSpPr>
-        <p:spPr>
-          <a:xfrm>
-            <a:off x="-141903" y="-8070"/>
-            <a:ext cx="2098200" cy="317700"/>
-          </a:xfrm>
-          <a:prstGeom prst="parallelogram">
-            <a:avLst>
-              <a:gd name="adj" fmla="val 37388"/>
-            </a:avLst>
-          </a:prstGeom>
-          <a:solidFill>
-            <a:srgbClr val="F2F2F2"/>
-          </a:solidFill>
-          <a:ln>
-            <a:noFill/>
-          </a:ln>
-        </p:spPr>
-        <p:txBody>
-          <a:bodyPr spcFirstLastPara="1" wrap="square" lIns="91425" tIns="45700" rIns="91425" bIns="45700" anchor="t" anchorCtr="0">
-            <a:noAutofit/>
-          </a:bodyPr>
-          <a:lstStyle/>
-          <a:p>
-            <a:pPr marL="0" lvl="0" indent="0" algn="l" rtl="0">
-              <a:lnSpc>
-                <a:spcPct val="90000"/>
-              </a:lnSpc>
-              <a:spcBef>
-                <a:spcPts val="0"/>
-              </a:spcBef>
-              <a:spcAft>
-                <a:spcPts val="0"/>
-              </a:spcAft>
-              <a:buClr>
-                <a:srgbClr val="3F3F3F"/>
-              </a:buClr>
-              <a:buSzPts val="100"/>
-              <a:buNone/>
-            </a:pPr>
-            <a:r>
-              <a:rPr lang="en-GB"/>
-              <a:t> </a:t>
-            </a:r>
-            <a:endParaRPr lang="en-GB"/>
-          </a:p>
-        </p:txBody>
-      </p:sp>
-      <p:sp>
-        <p:nvSpPr>
-          <p:cNvPr id="157" name="Google Shape;157;p26"/>
-          <p:cNvSpPr txBox="1"/>
-          <p:nvPr>
-            <p:ph type="body" idx="3"/>
-          </p:nvPr>
-        </p:nvSpPr>
-        <p:spPr>
-          <a:xfrm>
-            <a:off x="306807" y="60518"/>
-            <a:ext cx="1520100" cy="217800"/>
-          </a:xfrm>
-          <a:prstGeom prst="rect">
-            <a:avLst/>
-          </a:prstGeom>
-          <a:noFill/>
-          <a:ln>
-            <a:noFill/>
-          </a:ln>
-        </p:spPr>
-        <p:txBody>
-          <a:bodyPr spcFirstLastPara="1" wrap="square" lIns="91425" tIns="45700" rIns="91425" bIns="45700" anchor="t" anchorCtr="0">
-            <a:noAutofit/>
-          </a:bodyPr>
-          <a:lstStyle/>
-          <a:p>
-            <a:pPr marL="0" lvl="0" indent="0" algn="l" rtl="0">
-              <a:lnSpc>
-                <a:spcPct val="90000"/>
-              </a:lnSpc>
-              <a:spcBef>
-                <a:spcPts val="0"/>
-              </a:spcBef>
-              <a:spcAft>
-                <a:spcPts val="0"/>
-              </a:spcAft>
-              <a:buClr>
-                <a:schemeClr val="dk1"/>
-              </a:buClr>
-              <a:buSzPts val="900"/>
-              <a:buNone/>
-            </a:pPr>
-            <a:r>
-              <a:rPr lang="en-GB">
-                <a:latin typeface="Source Sans Pro" panose="020B0503030403020204"/>
-                <a:ea typeface="Source Sans Pro" panose="020B0503030403020204"/>
-                <a:cs typeface="Source Sans Pro" panose="020B0503030403020204"/>
-                <a:sym typeface="Source Sans Pro" panose="020B0503030403020204"/>
-              </a:rPr>
-              <a:t>Ameena Hamid </a:t>
-            </a:r>
-            <a:endParaRPr lang="en-GB">
-              <a:latin typeface="Source Sans Pro" panose="020B0503030403020204"/>
-              <a:ea typeface="Source Sans Pro" panose="020B0503030403020204"/>
-              <a:cs typeface="Source Sans Pro" panose="020B0503030403020204"/>
-              <a:sym typeface="Source Sans Pro" panose="020B0503030403020204"/>
-            </a:endParaRPr>
-          </a:p>
-        </p:txBody>
-      </p:sp>
-      <p:sp>
-        <p:nvSpPr>
-          <p:cNvPr id="158" name="Google Shape;158;p26"/>
-          <p:cNvSpPr txBox="1"/>
-          <p:nvPr>
-            <p:ph type="title"/>
-          </p:nvPr>
-        </p:nvSpPr>
-        <p:spPr>
-          <a:xfrm>
-            <a:off x="306807" y="400510"/>
-            <a:ext cx="6348900" cy="304800"/>
-          </a:xfrm>
-          <a:prstGeom prst="rect">
-            <a:avLst/>
-          </a:prstGeom>
-          <a:noFill/>
-          <a:ln>
-            <a:noFill/>
-          </a:ln>
-        </p:spPr>
-        <p:txBody>
-          <a:bodyPr spcFirstLastPara="1" wrap="square" lIns="91425" tIns="45700" rIns="91425" bIns="45700" anchor="ctr" anchorCtr="0">
-            <a:noAutofit/>
-          </a:bodyPr>
-          <a:lstStyle/>
-          <a:p>
-            <a:pPr marL="0" lvl="0" indent="0" algn="l" rtl="0">
-              <a:lnSpc>
-                <a:spcPct val="90000"/>
-              </a:lnSpc>
-              <a:spcBef>
-                <a:spcPts val="0"/>
-              </a:spcBef>
-              <a:spcAft>
-                <a:spcPts val="0"/>
-              </a:spcAft>
-              <a:buClr>
-                <a:schemeClr val="dk1"/>
-              </a:buClr>
-              <a:buSzPts val="1100"/>
-              <a:buFont typeface="Arial" panose="020B0604020202020204"/>
-              <a:buNone/>
-            </a:pPr>
-            <a:r>
-              <a:rPr lang="en-GB">
-                <a:sym typeface="+mn-ea"/>
-              </a:rPr>
-              <a:t>Early Stage Diabetes Risk Prediction Dataset </a:t>
-            </a:r>
-            <a:r>
-              <a:rPr lang="en-GB"/>
               <a:t> - Exploratory data analysis</a:t>
             </a:r>
             <a:endParaRPr lang="en-GB"/>
@@ -21010,7 +20111,7 @@
               <a:ea typeface="Source Sans Pro" panose="020B0503030403020204"/>
               <a:cs typeface="Source Sans Pro" panose="020B0503030403020204"/>
               <a:sym typeface="Source Sans Pro" panose="020B0503030403020204"/>
-              <a:hlinkClick r:id="rId1" tooltip="" action="ppaction://hlinkfile"/>
+              <a:hlinkClick r:id="rId1" action="ppaction://hlinkfile"/>
             </a:endParaRPr>
           </a:p>
           <a:p>
@@ -21033,7 +20134,7 @@
                 <a:ea typeface="Source Sans Pro" panose="020B0503030403020204"/>
                 <a:cs typeface="Source Sans Pro" panose="020B0503030403020204"/>
                 <a:sym typeface="Source Sans Pro" panose="020B0503030403020204"/>
-                <a:hlinkClick r:id="rId1" tooltip="" action="ppaction://hlinkfile"/>
+                <a:hlinkClick r:id="rId1" action="ppaction://hlinkfile"/>
               </a:rPr>
               <a:t>https://anaconda.cloud/share/notebooks/496e882b-39f1-4e71-98d4-ef32a37aa94a/overview</a:t>
             </a:r>
@@ -21045,7 +20146,7 @@
               <a:ea typeface="Source Sans Pro" panose="020B0503030403020204"/>
               <a:cs typeface="Source Sans Pro" panose="020B0503030403020204"/>
               <a:sym typeface="Source Sans Pro" panose="020B0503030403020204"/>
-              <a:hlinkClick r:id="rId1" tooltip="" action="ppaction://hlinkfile"/>
+              <a:hlinkClick r:id="rId1" action="ppaction://hlinkfile"/>
             </a:endParaRPr>
           </a:p>
           <a:p>
@@ -21067,7 +20168,7 @@
               <a:ea typeface="Source Sans Pro" panose="020B0503030403020204"/>
               <a:cs typeface="Source Sans Pro" panose="020B0503030403020204"/>
               <a:sym typeface="Source Sans Pro" panose="020B0503030403020204"/>
-              <a:hlinkClick r:id="rId1" tooltip="" action="ppaction://hlinkfile"/>
+              <a:hlinkClick r:id="rId1" action="ppaction://hlinkfile"/>
             </a:endParaRPr>
           </a:p>
           <a:p>
@@ -21089,7 +20190,7 @@
               <a:ea typeface="Source Sans Pro" panose="020B0503030403020204"/>
               <a:cs typeface="Source Sans Pro" panose="020B0503030403020204"/>
               <a:sym typeface="Source Sans Pro" panose="020B0503030403020204"/>
-              <a:hlinkClick r:id="rId1" tooltip="" action="ppaction://hlinkfile"/>
+              <a:hlinkClick r:id="rId1" action="ppaction://hlinkfile"/>
             </a:endParaRPr>
           </a:p>
           <a:p>
@@ -21111,7 +20212,7 @@
               <a:ea typeface="Source Sans Pro" panose="020B0503030403020204"/>
               <a:cs typeface="Source Sans Pro" panose="020B0503030403020204"/>
               <a:sym typeface="Source Sans Pro" panose="020B0503030403020204"/>
-              <a:hlinkClick r:id="rId1" tooltip="" action="ppaction://hlinkfile"/>
+              <a:hlinkClick r:id="rId1" action="ppaction://hlinkfile"/>
             </a:endParaRPr>
           </a:p>
           <a:p>
@@ -21133,7 +20234,7 @@
               <a:ea typeface="Source Sans Pro" panose="020B0503030403020204"/>
               <a:cs typeface="Source Sans Pro" panose="020B0503030403020204"/>
               <a:sym typeface="Source Sans Pro" panose="020B0503030403020204"/>
-              <a:hlinkClick r:id="rId1" tooltip="" action="ppaction://hlinkfile"/>
+              <a:hlinkClick r:id="rId1" action="ppaction://hlinkfile"/>
             </a:endParaRPr>
           </a:p>
           <a:p>
@@ -21251,7 +20352,7 @@
 </p:sld>
 </file>
 
-<file path=ppt/slides/slide6.xml><?xml version="1.0" encoding="utf-8"?>
+<file path=ppt/slides/slide5.xml><?xml version="1.0" encoding="utf-8"?>
 <p:sld xmlns:a="http://schemas.openxmlformats.org/drawingml/2006/main" xmlns:r="http://schemas.openxmlformats.org/officeDocument/2006/relationships" xmlns:p="http://schemas.openxmlformats.org/presentationml/2006/main">
   <p:cSld>
     <p:spTree>
@@ -21678,7 +20779,7 @@
 </p:sld>
 </file>
 
-<file path=ppt/slides/slide7.xml><?xml version="1.0" encoding="utf-8"?>
+<file path=ppt/slides/slide6.xml><?xml version="1.0" encoding="utf-8"?>
 <p:sld xmlns:a="http://schemas.openxmlformats.org/drawingml/2006/main" xmlns:r="http://schemas.openxmlformats.org/officeDocument/2006/relationships" xmlns:p="http://schemas.openxmlformats.org/presentationml/2006/main">
   <p:cSld>
     <p:spTree>
@@ -22137,7 +21238,7 @@
 </p:sld>
 </file>
 
-<file path=ppt/slides/slide8.xml><?xml version="1.0" encoding="utf-8"?>
+<file path=ppt/slides/slide7.xml><?xml version="1.0" encoding="utf-8"?>
 <p:sld xmlns:a="http://schemas.openxmlformats.org/drawingml/2006/main" xmlns:r="http://schemas.openxmlformats.org/officeDocument/2006/relationships" xmlns:p="http://schemas.openxmlformats.org/presentationml/2006/main">
   <p:cSld>
     <p:spTree>
@@ -22500,7 +21601,7 @@
 </p:sld>
 </file>
 
-<file path=ppt/slides/slide9.xml><?xml version="1.0" encoding="utf-8"?>
+<file path=ppt/slides/slide8.xml><?xml version="1.0" encoding="utf-8"?>
 <p:sld xmlns:a="http://schemas.openxmlformats.org/drawingml/2006/main" xmlns:r="http://schemas.openxmlformats.org/officeDocument/2006/relationships" xmlns:p="http://schemas.openxmlformats.org/presentationml/2006/main">
   <p:cSld>
     <p:spTree>
@@ -22873,6 +21974,412 @@
           </a:p>
         </p:txBody>
       </p:sp>
+    </p:spTree>
+  </p:cSld>
+  <p:clrMapOvr>
+    <a:masterClrMapping/>
+  </p:clrMapOvr>
+</p:sld>
+</file>
+
+<file path=ppt/slides/slide9.xml><?xml version="1.0" encoding="utf-8"?>
+<p:sld xmlns:a="http://schemas.openxmlformats.org/drawingml/2006/main" xmlns:r="http://schemas.openxmlformats.org/officeDocument/2006/relationships" xmlns:p="http://schemas.openxmlformats.org/presentationml/2006/main">
+  <p:cSld>
+    <p:spTree>
+      <p:nvGrpSpPr>
+        <p:cNvPr id="172" name="Shape 172"/>
+        <p:cNvGrpSpPr/>
+        <p:nvPr/>
+      </p:nvGrpSpPr>
+      <p:grpSpPr>
+        <a:xfrm>
+          <a:off x="0" y="0"/>
+          <a:ext cx="0" cy="0"/>
+          <a:chOff x="0" y="0"/>
+          <a:chExt cx="0" cy="0"/>
+        </a:xfrm>
+      </p:grpSpPr>
+      <p:sp>
+        <p:nvSpPr>
+          <p:cNvPr id="173" name="Google Shape;173;p28"/>
+          <p:cNvSpPr/>
+          <p:nvPr>
+            <p:ph type="body" idx="1"/>
+          </p:nvPr>
+        </p:nvSpPr>
+        <p:spPr>
+          <a:xfrm>
+            <a:off x="-332295" y="305760"/>
+            <a:ext cx="7317900" cy="494400"/>
+          </a:xfrm>
+          <a:prstGeom prst="parallelogram">
+            <a:avLst>
+              <a:gd name="adj" fmla="val 37388"/>
+            </a:avLst>
+          </a:prstGeom>
+          <a:solidFill>
+            <a:schemeClr val="dk2"/>
+          </a:solidFill>
+          <a:ln>
+            <a:noFill/>
+          </a:ln>
+        </p:spPr>
+        <p:txBody>
+          <a:bodyPr spcFirstLastPara="1" wrap="square" lIns="91425" tIns="45700" rIns="91425" bIns="45700" anchor="t" anchorCtr="0">
+            <a:noAutofit/>
+          </a:bodyPr>
+          <a:lstStyle/>
+          <a:p>
+            <a:pPr marL="0" lvl="0" indent="0" algn="l" rtl="0">
+              <a:lnSpc>
+                <a:spcPct val="90000"/>
+              </a:lnSpc>
+              <a:spcBef>
+                <a:spcPts val="0"/>
+              </a:spcBef>
+              <a:spcAft>
+                <a:spcPts val="0"/>
+              </a:spcAft>
+              <a:buClr>
+                <a:srgbClr val="3F3F3F"/>
+              </a:buClr>
+              <a:buSzPts val="100"/>
+              <a:buNone/>
+            </a:pPr>
+            <a:r>
+              <a:rPr lang="en-GB"/>
+              <a:t> </a:t>
+            </a:r>
+            <a:endParaRPr lang="en-GB"/>
+          </a:p>
+        </p:txBody>
+      </p:sp>
+      <p:sp>
+        <p:nvSpPr>
+          <p:cNvPr id="174" name="Google Shape;174;p28"/>
+          <p:cNvSpPr/>
+          <p:nvPr>
+            <p:ph type="body" idx="2"/>
+          </p:nvPr>
+        </p:nvSpPr>
+        <p:spPr>
+          <a:xfrm>
+            <a:off x="-141903" y="-8070"/>
+            <a:ext cx="2098200" cy="317700"/>
+          </a:xfrm>
+          <a:prstGeom prst="parallelogram">
+            <a:avLst>
+              <a:gd name="adj" fmla="val 37388"/>
+            </a:avLst>
+          </a:prstGeom>
+          <a:solidFill>
+            <a:srgbClr val="F2F2F2"/>
+          </a:solidFill>
+          <a:ln>
+            <a:noFill/>
+          </a:ln>
+        </p:spPr>
+        <p:txBody>
+          <a:bodyPr spcFirstLastPara="1" wrap="square" lIns="91425" tIns="45700" rIns="91425" bIns="45700" anchor="t" anchorCtr="0">
+            <a:noAutofit/>
+          </a:bodyPr>
+          <a:lstStyle/>
+          <a:p>
+            <a:pPr marL="0" lvl="0" indent="0" algn="l" rtl="0">
+              <a:lnSpc>
+                <a:spcPct val="90000"/>
+              </a:lnSpc>
+              <a:spcBef>
+                <a:spcPts val="0"/>
+              </a:spcBef>
+              <a:spcAft>
+                <a:spcPts val="0"/>
+              </a:spcAft>
+              <a:buClr>
+                <a:srgbClr val="3F3F3F"/>
+              </a:buClr>
+              <a:buSzPts val="100"/>
+              <a:buNone/>
+            </a:pPr>
+            <a:r>
+              <a:rPr lang="en-GB"/>
+              <a:t> </a:t>
+            </a:r>
+            <a:endParaRPr lang="en-GB"/>
+          </a:p>
+        </p:txBody>
+      </p:sp>
+      <p:sp>
+        <p:nvSpPr>
+          <p:cNvPr id="175" name="Google Shape;175;p28"/>
+          <p:cNvSpPr txBox="1"/>
+          <p:nvPr>
+            <p:ph type="body" idx="3"/>
+          </p:nvPr>
+        </p:nvSpPr>
+        <p:spPr>
+          <a:xfrm>
+            <a:off x="306807" y="60518"/>
+            <a:ext cx="1520100" cy="217800"/>
+          </a:xfrm>
+          <a:prstGeom prst="rect">
+            <a:avLst/>
+          </a:prstGeom>
+          <a:noFill/>
+          <a:ln>
+            <a:noFill/>
+          </a:ln>
+        </p:spPr>
+        <p:txBody>
+          <a:bodyPr spcFirstLastPara="1" wrap="square" lIns="91425" tIns="45700" rIns="91425" bIns="45700" anchor="t" anchorCtr="0">
+            <a:noAutofit/>
+          </a:bodyPr>
+          <a:lstStyle/>
+          <a:p>
+            <a:pPr marL="0" lvl="0" indent="0" algn="l" rtl="0">
+              <a:lnSpc>
+                <a:spcPct val="90000"/>
+              </a:lnSpc>
+              <a:spcBef>
+                <a:spcPts val="0"/>
+              </a:spcBef>
+              <a:spcAft>
+                <a:spcPts val="0"/>
+              </a:spcAft>
+              <a:buClr>
+                <a:schemeClr val="dk1"/>
+              </a:buClr>
+              <a:buSzPts val="900"/>
+              <a:buNone/>
+            </a:pPr>
+            <a:r>
+              <a:rPr lang="en-GB">
+                <a:latin typeface="Source Sans Pro" panose="020B0503030403020204"/>
+                <a:ea typeface="Source Sans Pro" panose="020B0503030403020204"/>
+                <a:cs typeface="Source Sans Pro" panose="020B0503030403020204"/>
+                <a:sym typeface="Source Sans Pro" panose="020B0503030403020204"/>
+              </a:rPr>
+              <a:t>Ameena Hamid </a:t>
+            </a:r>
+            <a:endParaRPr lang="en-GB">
+              <a:latin typeface="Source Sans Pro" panose="020B0503030403020204"/>
+              <a:ea typeface="Source Sans Pro" panose="020B0503030403020204"/>
+              <a:cs typeface="Source Sans Pro" panose="020B0503030403020204"/>
+              <a:sym typeface="Source Sans Pro" panose="020B0503030403020204"/>
+            </a:endParaRPr>
+          </a:p>
+        </p:txBody>
+      </p:sp>
+      <p:sp>
+        <p:nvSpPr>
+          <p:cNvPr id="176" name="Google Shape;176;p28"/>
+          <p:cNvSpPr txBox="1"/>
+          <p:nvPr>
+            <p:ph type="title"/>
+          </p:nvPr>
+        </p:nvSpPr>
+        <p:spPr>
+          <a:xfrm>
+            <a:off x="306807" y="400510"/>
+            <a:ext cx="6348900" cy="304800"/>
+          </a:xfrm>
+          <a:prstGeom prst="rect">
+            <a:avLst/>
+          </a:prstGeom>
+          <a:noFill/>
+          <a:ln>
+            <a:noFill/>
+          </a:ln>
+        </p:spPr>
+        <p:txBody>
+          <a:bodyPr spcFirstLastPara="1" wrap="square" lIns="91425" tIns="45700" rIns="91425" bIns="45700" anchor="ctr" anchorCtr="0">
+            <a:noAutofit/>
+          </a:bodyPr>
+          <a:lstStyle/>
+          <a:p>
+            <a:pPr marL="0" lvl="0" indent="0" algn="l" rtl="0">
+              <a:lnSpc>
+                <a:spcPct val="90000"/>
+              </a:lnSpc>
+              <a:spcBef>
+                <a:spcPts val="0"/>
+              </a:spcBef>
+              <a:spcAft>
+                <a:spcPts val="0"/>
+              </a:spcAft>
+              <a:buClr>
+                <a:schemeClr val="dk1"/>
+              </a:buClr>
+              <a:buSzPts val="1100"/>
+              <a:buFont typeface="Arial" panose="020B0604020202020204"/>
+              <a:buNone/>
+            </a:pPr>
+            <a:br>
+              <a:rPr lang="en-GB">
+                <a:sym typeface="+mn-ea"/>
+              </a:rPr>
+            </a:br>
+            <a:r>
+              <a:rPr lang="en-GB">
+                <a:sym typeface="+mn-ea"/>
+              </a:rPr>
+              <a:t>Early Stage Diabetes Risk Prediction Dataset  - Data Visualization</a:t>
+            </a:r>
+            <a:br>
+              <a:rPr lang="en-GB">
+                <a:sym typeface="+mn-ea"/>
+              </a:rPr>
+            </a:br>
+            <a:endParaRPr lang="en-GB"/>
+          </a:p>
+        </p:txBody>
+      </p:sp>
+      <p:sp>
+        <p:nvSpPr>
+          <p:cNvPr id="177" name="Google Shape;177;p28"/>
+          <p:cNvSpPr txBox="1"/>
+          <p:nvPr/>
+        </p:nvSpPr>
+        <p:spPr>
+          <a:xfrm>
+            <a:off x="249125" y="989850"/>
+            <a:ext cx="6678900" cy="3163800"/>
+          </a:xfrm>
+          <a:prstGeom prst="rect">
+            <a:avLst/>
+          </a:prstGeom>
+          <a:noFill/>
+          <a:ln>
+            <a:noFill/>
+          </a:ln>
+        </p:spPr>
+        <p:txBody>
+          <a:bodyPr spcFirstLastPara="1" wrap="square" lIns="91425" tIns="91425" rIns="91425" bIns="91425" anchor="t" anchorCtr="0">
+            <a:noAutofit/>
+          </a:bodyPr>
+          <a:lstStyle/>
+          <a:p>
+            <a:pPr marL="0" lvl="0" indent="0" algn="l" rtl="0">
+              <a:spcBef>
+                <a:spcPts val="0"/>
+              </a:spcBef>
+              <a:spcAft>
+                <a:spcPts val="0"/>
+              </a:spcAft>
+              <a:buNone/>
+            </a:pPr>
+            <a:endParaRPr sz="1500">
+              <a:solidFill>
+                <a:srgbClr val="595959"/>
+              </a:solidFill>
+              <a:latin typeface="Source Sans Pro" panose="020B0503030403020204"/>
+              <a:ea typeface="Source Sans Pro" panose="020B0503030403020204"/>
+              <a:cs typeface="Source Sans Pro" panose="020B0503030403020204"/>
+              <a:sym typeface="Source Sans Pro" panose="020B0503030403020204"/>
+            </a:endParaRPr>
+          </a:p>
+        </p:txBody>
+      </p:sp>
+      <p:sp>
+        <p:nvSpPr>
+          <p:cNvPr id="6" name="Text Box 5"/>
+          <p:cNvSpPr txBox="1"/>
+          <p:nvPr/>
+        </p:nvSpPr>
+        <p:spPr>
+          <a:xfrm>
+            <a:off x="5664835" y="1315085"/>
+            <a:ext cx="3214370" cy="3322955"/>
+          </a:xfrm>
+          <a:prstGeom prst="rect">
+            <a:avLst/>
+          </a:prstGeom>
+          <a:noFill/>
+        </p:spPr>
+        <p:txBody>
+          <a:bodyPr wrap="square" rtlCol="0">
+            <a:spAutoFit/>
+          </a:bodyPr>
+          <a:p>
+            <a:pPr marL="285750" indent="-285750">
+              <a:buFont typeface="Arial" panose="020B0604020202020204" pitchFamily="34" charset="0"/>
+              <a:buChar char="•"/>
+            </a:pPr>
+            <a:r>
+              <a:rPr lang="en-GB" altLang="en-US"/>
+              <a:t>Further analysis shows that the number of Females positive for Diabetes is slightly higher than the number of Males that are positive. </a:t>
+            </a:r>
+            <a:endParaRPr lang="en-GB" altLang="en-US"/>
+          </a:p>
+          <a:p>
+            <a:pPr marL="285750" indent="-285750">
+              <a:buFont typeface="Arial" panose="020B0604020202020204" pitchFamily="34" charset="0"/>
+              <a:buChar char="•"/>
+            </a:pPr>
+            <a:endParaRPr lang="en-GB" altLang="en-US"/>
+          </a:p>
+          <a:p>
+            <a:pPr marL="285750" indent="-285750">
+              <a:buFont typeface="Arial" panose="020B0604020202020204" pitchFamily="34" charset="0"/>
+              <a:buChar char="•"/>
+            </a:pPr>
+            <a:r>
+              <a:rPr lang="en-GB" altLang="en-US"/>
+              <a:t>The number of females that are negative for Diabetes but may be displaying symptoms are significantly lower than the number of males that are positive</a:t>
+            </a:r>
+            <a:endParaRPr lang="en-GB" altLang="en-US"/>
+          </a:p>
+          <a:p>
+            <a:pPr marL="285750" indent="-285750">
+              <a:buFont typeface="Arial" panose="020B0604020202020204" pitchFamily="34" charset="0"/>
+              <a:buChar char="•"/>
+            </a:pPr>
+            <a:endParaRPr lang="en-GB" altLang="en-US"/>
+          </a:p>
+          <a:p>
+            <a:pPr marL="285750" indent="-285750">
+              <a:buFont typeface="Arial" panose="020B0604020202020204" pitchFamily="34" charset="0"/>
+              <a:buChar char="•"/>
+            </a:pPr>
+            <a:r>
+              <a:rPr lang="en-GB" altLang="en-US"/>
+              <a:t>However, the number of females overall with symptoms are also considerably lower than males</a:t>
+            </a:r>
+            <a:endParaRPr lang="en-GB" altLang="en-US"/>
+          </a:p>
+          <a:p>
+            <a:pPr marL="285750" indent="-285750">
+              <a:buFont typeface="Arial" panose="020B0604020202020204" pitchFamily="34" charset="0"/>
+              <a:buChar char="•"/>
+            </a:pPr>
+            <a:endParaRPr lang="en-GB" altLang="en-US"/>
+          </a:p>
+        </p:txBody>
+      </p:sp>
+      <p:pic>
+        <p:nvPicPr>
+          <p:cNvPr id="2" name="Picture 1"/>
+          <p:cNvPicPr>
+            <a:picLocks noChangeAspect="1"/>
+          </p:cNvPicPr>
+          <p:nvPr/>
+        </p:nvPicPr>
+        <p:blipFill>
+          <a:blip r:embed="rId1"/>
+          <a:stretch>
+            <a:fillRect/>
+          </a:stretch>
+        </p:blipFill>
+        <p:spPr>
+          <a:xfrm>
+            <a:off x="248920" y="989965"/>
+            <a:ext cx="5314950" cy="3715385"/>
+          </a:xfrm>
+          <a:prstGeom prst="rect">
+            <a:avLst/>
+          </a:prstGeom>
+        </p:spPr>
+      </p:pic>
     </p:spTree>
   </p:cSld>
   <p:clrMapOvr>
